--- a/docs/presentations/Final Presentation.pptx
+++ b/docs/presentations/Final Presentation.pptx
@@ -54,6 +54,8 @@
     <p:sldId id="299" r:id="rId50"/>
     <p:sldId id="300" r:id="rId51"/>
     <p:sldId id="301" r:id="rId52"/>
+    <p:sldId id="302" r:id="rId53"/>
+    <p:sldId id="303" r:id="rId54"/>
   </p:sldIdLst>
   <p:sldSz cy="5143500" cx="9144000"/>
   <p:notesSz cy="9144000" cx="6858000"/>
@@ -273,14 +275,13 @@
 
 <file path=ppt/commentAuthors.xml><?xml version="1.0" encoding="utf-8"?>
 <p:cmAuthorLst xmlns:a="http://schemas.openxmlformats.org/drawingml/2006/main" xmlns:r="http://schemas.openxmlformats.org/officeDocument/2006/relationships" xmlns:mc="http://schemas.openxmlformats.org/markup-compatibility/2006" xmlns:mv="urn:schemas-microsoft-com:mac:vml" xmlns:p="http://schemas.openxmlformats.org/presentationml/2006/main" xmlns:c="http://schemas.openxmlformats.org/drawingml/2006/chart" xmlns:dgm="http://schemas.openxmlformats.org/drawingml/2006/diagram" xmlns:o="urn:schemas-microsoft-com:office:office" xmlns:v="urn:schemas-microsoft-com:vml" xmlns:pvml="urn:schemas-microsoft-com:office:powerpoint" xmlns:com="http://schemas.openxmlformats.org/drawingml/2006/compatibility" xmlns:p14="http://schemas.microsoft.com/office/powerpoint/2010/main">
-  <p:cmAuthor id="0" initials="" name="Jigar Patel" lastIdx="1" clrIdx="0"/>
-  <p:cmAuthor id="1" initials="" name="Geng Fu" lastIdx="3" clrIdx="1"/>
+  <p:cmAuthor id="0" initials="" name="Geng Fu" lastIdx="2" clrIdx="0"/>
 </p:cmAuthorLst>
 </file>
 
 <file path=ppt/comments/comment1.xml><?xml version="1.0" encoding="utf-8"?>
 <p:cmLst xmlns:a="http://schemas.openxmlformats.org/drawingml/2006/main" xmlns:r="http://schemas.openxmlformats.org/officeDocument/2006/relationships" xmlns:mc="http://schemas.openxmlformats.org/markup-compatibility/2006" xmlns:mv="urn:schemas-microsoft-com:mac:vml" xmlns:p="http://schemas.openxmlformats.org/presentationml/2006/main" xmlns:c="http://schemas.openxmlformats.org/drawingml/2006/chart" xmlns:dgm="http://schemas.openxmlformats.org/drawingml/2006/diagram" xmlns:o="urn:schemas-microsoft-com:office:office" xmlns:v="urn:schemas-microsoft-com:vml" xmlns:pvml="urn:schemas-microsoft-com:office:powerpoint" xmlns:com="http://schemas.openxmlformats.org/drawingml/2006/compatibility" xmlns:p14="http://schemas.microsoft.com/office/powerpoint/2010/main">
-  <p:cm idx="3" authorId="1">
+  <p:cm idx="2" authorId="0">
     <p:pos y="0" x="6000"/>
     <p:text>Why highlight the mobile broadband</p:text>
   </p:cm>
@@ -289,22 +290,9 @@
 
 <file path=ppt/comments/comment2.xml><?xml version="1.0" encoding="utf-8"?>
 <p:cmLst xmlns:a="http://schemas.openxmlformats.org/drawingml/2006/main" xmlns:r="http://schemas.openxmlformats.org/officeDocument/2006/relationships" xmlns:mc="http://schemas.openxmlformats.org/markup-compatibility/2006" xmlns:mv="urn:schemas-microsoft-com:mac:vml" xmlns:p="http://schemas.openxmlformats.org/presentationml/2006/main" xmlns:c="http://schemas.openxmlformats.org/drawingml/2006/chart" xmlns:dgm="http://schemas.openxmlformats.org/drawingml/2006/diagram" xmlns:o="urn:schemas-microsoft-com:office:office" xmlns:v="urn:schemas-microsoft-com:vml" xmlns:pvml="urn:schemas-microsoft-com:office:powerpoint" xmlns:com="http://schemas.openxmlformats.org/drawingml/2006/compatibility" xmlns:p14="http://schemas.microsoft.com/office/powerpoint/2010/main">
-  <p:cm idx="2" authorId="1">
+  <p:cm idx="1" authorId="0">
     <p:pos y="0" x="6000"/>
     <p:text>Google another one</p:text>
-  </p:cm>
-</p:cmLst>
-</file>
-
-<file path=ppt/comments/comment3.xml><?xml version="1.0" encoding="utf-8"?>
-<p:cmLst xmlns:a="http://schemas.openxmlformats.org/drawingml/2006/main" xmlns:r="http://schemas.openxmlformats.org/officeDocument/2006/relationships" xmlns:mc="http://schemas.openxmlformats.org/markup-compatibility/2006" xmlns:mv="urn:schemas-microsoft-com:mac:vml" xmlns:p="http://schemas.openxmlformats.org/presentationml/2006/main" xmlns:c="http://schemas.openxmlformats.org/drawingml/2006/chart" xmlns:dgm="http://schemas.openxmlformats.org/drawingml/2006/diagram" xmlns:o="urn:schemas-microsoft-com:office:office" xmlns:v="urn:schemas-microsoft-com:vml" xmlns:pvml="urn:schemas-microsoft-com:office:powerpoint" xmlns:com="http://schemas.openxmlformats.org/drawingml/2006/compatibility" xmlns:p14="http://schemas.microsoft.com/office/powerpoint/2010/main">
-  <p:cm idx="1" authorId="0">
-    <p:pos y="0" x="6000"/>
-    <p:text>Guys, please see if this is correct?</p:text>
-  </p:cm>
-  <p:cm idx="1" authorId="1">
-    <p:pos y="100" x="6000"/>
-    <p:text>Yup, I think it is correct! The situation is lemon and apple receives data from orange respectively. Orange receives data from both lemon and apple.</p:text>
   </p:cm>
 </p:cmLst>
 </file>
@@ -4325,7 +4313,7 @@
   <p:cSld>
     <p:spTree>
       <p:nvGrpSpPr>
-        <p:cNvPr id="517" name="Shape 517"/>
+        <p:cNvPr id="519" name="Shape 519"/>
         <p:cNvGrpSpPr/>
         <p:nvPr/>
       </p:nvGrpSpPr>
@@ -4339,7 +4327,7 @@
       </p:grpSpPr>
       <p:sp>
         <p:nvSpPr>
-          <p:cNvPr id="518" name="Shape 518"/>
+          <p:cNvPr id="520" name="Shape 520"/>
           <p:cNvSpPr/>
           <p:nvPr>
             <p:ph idx="2" type="sldImg"/>
@@ -4383,7 +4371,7 @@
       </p:sp>
       <p:sp>
         <p:nvSpPr>
-          <p:cNvPr id="519" name="Shape 519"/>
+          <p:cNvPr id="521" name="Shape 521"/>
           <p:cNvSpPr txBox="1"/>
           <p:nvPr>
             <p:ph idx="1" type="body"/>
@@ -4535,7 +4523,7 @@
   <p:cSld>
     <p:spTree>
       <p:nvGrpSpPr>
-        <p:cNvPr id="524" name="Shape 524"/>
+        <p:cNvPr id="525" name="Shape 525"/>
         <p:cNvGrpSpPr/>
         <p:nvPr/>
       </p:nvGrpSpPr>
@@ -4549,7 +4537,7 @@
       </p:grpSpPr>
       <p:sp>
         <p:nvSpPr>
-          <p:cNvPr id="525" name="Shape 525"/>
+          <p:cNvPr id="526" name="Shape 526"/>
           <p:cNvSpPr/>
           <p:nvPr>
             <p:ph idx="2" type="sldImg"/>
@@ -4593,7 +4581,7 @@
       </p:sp>
       <p:sp>
         <p:nvSpPr>
-          <p:cNvPr id="526" name="Shape 526"/>
+          <p:cNvPr id="527" name="Shape 527"/>
           <p:cNvSpPr txBox="1"/>
           <p:nvPr>
             <p:ph idx="1" type="body"/>
@@ -4719,27 +4707,7 @@
           </a:bodyPr>
           <a:lstStyle/>
           <a:p>
-            <a:pPr rtl="0" lvl="0">
-              <a:spcBef>
-                <a:spcPts val="0"/>
-              </a:spcBef>
-              <a:buNone/>
-            </a:pPr>
-            <a:r>
-              <a:rPr lang="en"/>
-              <a:t>Master: The master is the core of whole systems. And we have node containers which act as slaves in the system run on different machines. Master communicates with node containers via the message bus to control the total system. Specifically, it controls the functionality of each node after the set up of the cluster. On the other hand, </a:t>
-            </a:r>
-            <a:r>
-              <a:rPr lang="en">
-                <a:solidFill>
-                  <a:schemeClr val="dk1"/>
-                </a:solidFill>
-              </a:rPr>
-              <a:t>master can also collect performance metrics via message bus. The configurability of functionality during the runtime makes the systems flexible to deploy and the functionalities are interchangeable. Besides, this design also provides the extensibility as new functionalities can be added to the framework. And this figure also illustrates how the deployment will be in the real usage.</a:t>
-            </a:r>
-          </a:p>
-          <a:p>
-            <a:pPr rtl="0" lvl="0">
+            <a:pPr>
               <a:spcBef>
                 <a:spcPts val="0"/>
               </a:spcBef>
@@ -4748,31 +4716,7 @@
             <a:r>
               <a:t/>
             </a:r>
-            <a:endParaRPr>
-              <a:solidFill>
-                <a:schemeClr val="dk1"/>
-              </a:solidFill>
-            </a:endParaRPr>
-          </a:p>
-          <a:p>
-            <a:pPr lvl="0">
-              <a:spcBef>
-                <a:spcPts val="0"/>
-              </a:spcBef>
-              <a:buNone/>
-            </a:pPr>
-            <a:r>
-              <a:rPr lang="en">
-                <a:solidFill>
-                  <a:schemeClr val="dk1"/>
-                </a:solidFill>
-              </a:rPr>
-              <a:t>Each node container can also talk to each other as some control messages need to be passed among different node containers. </a:t>
-            </a:r>
-            <a:r>
-              <a:rPr lang="en"/>
-              <a:t>In our implementation, we choose to use Warp library which eases this kind of communication. T</a:t>
-            </a:r>
+            <a:endParaRPr/>
           </a:p>
         </p:txBody>
       </p:sp>
@@ -4789,7 +4733,7 @@
   <p:cSld>
     <p:spTree>
       <p:nvGrpSpPr>
-        <p:cNvPr id="537" name="Shape 537"/>
+        <p:cNvPr id="538" name="Shape 538"/>
         <p:cNvGrpSpPr/>
         <p:nvPr/>
       </p:nvGrpSpPr>
@@ -4803,7 +4747,7 @@
       </p:grpSpPr>
       <p:sp>
         <p:nvSpPr>
-          <p:cNvPr id="538" name="Shape 538"/>
+          <p:cNvPr id="539" name="Shape 539"/>
           <p:cNvSpPr/>
           <p:nvPr>
             <p:ph idx="2" type="sldImg"/>
@@ -4847,7 +4791,7 @@
       </p:sp>
       <p:sp>
         <p:nvSpPr>
-          <p:cNvPr id="539" name="Shape 539"/>
+          <p:cNvPr id="540" name="Shape 540"/>
           <p:cNvSpPr txBox="1"/>
           <p:nvPr>
             <p:ph idx="1" type="body"/>
@@ -4894,7 +4838,7 @@
   <p:cSld>
     <p:spTree>
       <p:nvGrpSpPr>
-        <p:cNvPr id="543" name="Shape 543"/>
+        <p:cNvPr id="545" name="Shape 545"/>
         <p:cNvGrpSpPr/>
         <p:nvPr/>
       </p:nvGrpSpPr>
@@ -4908,7 +4852,7 @@
       </p:grpSpPr>
       <p:sp>
         <p:nvSpPr>
-          <p:cNvPr id="544" name="Shape 544"/>
+          <p:cNvPr id="546" name="Shape 546"/>
           <p:cNvSpPr/>
           <p:nvPr>
             <p:ph idx="2" type="sldImg"/>
@@ -4952,7 +4896,7 @@
       </p:sp>
       <p:sp>
         <p:nvSpPr>
-          <p:cNvPr id="545" name="Shape 545"/>
+          <p:cNvPr id="547" name="Shape 547"/>
           <p:cNvSpPr txBox="1"/>
           <p:nvPr>
             <p:ph idx="1" type="body"/>
@@ -4973,7 +4917,27 @@
           </a:bodyPr>
           <a:lstStyle/>
           <a:p>
-            <a:pPr>
+            <a:pPr rtl="0" lvl="0">
+              <a:spcBef>
+                <a:spcPts val="0"/>
+              </a:spcBef>
+              <a:buNone/>
+            </a:pPr>
+            <a:r>
+              <a:rPr lang="en"/>
+              <a:t>Master: The master is the core of whole systems. And we have node containers which act as slaves in the system run on different machines. Master communicates with node containers via the message bus to control the total system. Specifically, it controls the functionality of each node after the set up of the cluster. On the other hand, </a:t>
+            </a:r>
+            <a:r>
+              <a:rPr lang="en">
+                <a:solidFill>
+                  <a:schemeClr val="dk1"/>
+                </a:solidFill>
+              </a:rPr>
+              <a:t>master can also collect performance metrics via message bus. The configurability of functionality during the runtime makes the systems flexible to deploy and the functionalities are interchangeable. Besides, this design also provides the extensibility as new functionalities can be added to the framework. And this figure also illustrates how the deployment will be in the real usage.</a:t>
+            </a:r>
+          </a:p>
+          <a:p>
+            <a:pPr rtl="0" lvl="0">
               <a:spcBef>
                 <a:spcPts val="0"/>
               </a:spcBef>
@@ -4982,7 +4946,31 @@
             <a:r>
               <a:t/>
             </a:r>
-            <a:endParaRPr/>
+            <a:endParaRPr>
+              <a:solidFill>
+                <a:schemeClr val="dk1"/>
+              </a:solidFill>
+            </a:endParaRPr>
+          </a:p>
+          <a:p>
+            <a:pPr lvl="0">
+              <a:spcBef>
+                <a:spcPts val="0"/>
+              </a:spcBef>
+              <a:buNone/>
+            </a:pPr>
+            <a:r>
+              <a:rPr lang="en">
+                <a:solidFill>
+                  <a:schemeClr val="dk1"/>
+                </a:solidFill>
+              </a:rPr>
+              <a:t>Each node container can also talk to each other as some control messages need to be passed among different node containers. </a:t>
+            </a:r>
+            <a:r>
+              <a:rPr lang="en"/>
+              <a:t>In our implementation, we choose to use Warp library which eases this kind of communication. T</a:t>
+            </a:r>
           </a:p>
         </p:txBody>
       </p:sp>
@@ -4999,7 +4987,7 @@
   <p:cSld>
     <p:spTree>
       <p:nvGrpSpPr>
-        <p:cNvPr id="549" name="Shape 549"/>
+        <p:cNvPr id="551" name="Shape 551"/>
         <p:cNvGrpSpPr/>
         <p:nvPr/>
       </p:nvGrpSpPr>
@@ -5013,7 +5001,7 @@
       </p:grpSpPr>
       <p:sp>
         <p:nvSpPr>
-          <p:cNvPr id="550" name="Shape 550"/>
+          <p:cNvPr id="552" name="Shape 552"/>
           <p:cNvSpPr/>
           <p:nvPr>
             <p:ph idx="2" type="sldImg"/>
@@ -5057,7 +5045,7 @@
       </p:sp>
       <p:sp>
         <p:nvSpPr>
-          <p:cNvPr id="551" name="Shape 551"/>
+          <p:cNvPr id="553" name="Shape 553"/>
           <p:cNvSpPr txBox="1"/>
           <p:nvPr>
             <p:ph idx="1" type="body"/>
@@ -5104,7 +5092,7 @@
   <p:cSld>
     <p:spTree>
       <p:nvGrpSpPr>
-        <p:cNvPr id="561" name="Shape 561"/>
+        <p:cNvPr id="557" name="Shape 557"/>
         <p:cNvGrpSpPr/>
         <p:nvPr/>
       </p:nvGrpSpPr>
@@ -5118,7 +5106,7 @@
       </p:grpSpPr>
       <p:sp>
         <p:nvSpPr>
-          <p:cNvPr id="562" name="Shape 562"/>
+          <p:cNvPr id="558" name="Shape 558"/>
           <p:cNvSpPr/>
           <p:nvPr>
             <p:ph idx="2" type="sldImg"/>
@@ -5162,7 +5150,7 @@
       </p:sp>
       <p:sp>
         <p:nvSpPr>
-          <p:cNvPr id="563" name="Shape 563"/>
+          <p:cNvPr id="559" name="Shape 559"/>
           <p:cNvSpPr txBox="1"/>
           <p:nvPr>
             <p:ph idx="1" type="body"/>
@@ -5183,19 +5171,7 @@
           </a:bodyPr>
           <a:lstStyle/>
           <a:p>
-            <a:pPr rtl="0" lvl="0">
-              <a:spcBef>
-                <a:spcPts val="0"/>
-              </a:spcBef>
-              <a:buNone/>
-            </a:pPr>
-            <a:r>
-              <a:t/>
-            </a:r>
-            <a:endParaRPr/>
-          </a:p>
-          <a:p>
-            <a:pPr rtl="0" lvl="0">
+            <a:pPr>
               <a:spcBef>
                 <a:spcPts val="0"/>
               </a:spcBef>
@@ -5221,7 +5197,7 @@
   <p:cSld>
     <p:spTree>
       <p:nvGrpSpPr>
-        <p:cNvPr id="567" name="Shape 567"/>
+        <p:cNvPr id="563" name="Shape 563"/>
         <p:cNvGrpSpPr/>
         <p:nvPr/>
       </p:nvGrpSpPr>
@@ -5235,7 +5211,7 @@
       </p:grpSpPr>
       <p:sp>
         <p:nvSpPr>
-          <p:cNvPr id="568" name="Shape 568"/>
+          <p:cNvPr id="564" name="Shape 564"/>
           <p:cNvSpPr/>
           <p:nvPr>
             <p:ph idx="2" type="sldImg"/>
@@ -5279,7 +5255,229 @@
       </p:sp>
       <p:sp>
         <p:nvSpPr>
-          <p:cNvPr id="569" name="Shape 569"/>
+          <p:cNvPr id="565" name="Shape 565"/>
+          <p:cNvSpPr txBox="1"/>
+          <p:nvPr>
+            <p:ph idx="1" type="body"/>
+          </p:nvPr>
+        </p:nvSpPr>
+        <p:spPr>
+          <a:xfrm>
+            <a:off y="4343400" x="685800"/>
+            <a:ext cy="4114800" cx="5486399"/>
+          </a:xfrm>
+          <a:prstGeom prst="rect">
+            <a:avLst/>
+          </a:prstGeom>
+        </p:spPr>
+        <p:txBody>
+          <a:bodyPr bIns="91425" rIns="91425" lIns="91425" tIns="91425" anchor="t" anchorCtr="0">
+            <a:noAutofit/>
+          </a:bodyPr>
+          <a:lstStyle/>
+          <a:p>
+            <a:pPr>
+              <a:spcBef>
+                <a:spcPts val="0"/>
+              </a:spcBef>
+              <a:buNone/>
+            </a:pPr>
+            <a:r>
+              <a:t/>
+            </a:r>
+            <a:endParaRPr/>
+          </a:p>
+        </p:txBody>
+      </p:sp>
+    </p:spTree>
+  </p:cSld>
+  <p:clrMapOvr>
+    <a:masterClrMapping/>
+  </p:clrMapOvr>
+</p:notes>
+</file>
+
+<file path=ppt/notesSlides/notesSlide47.xml><?xml version="1.0" encoding="utf-8"?>
+<p:notes xmlns:a="http://schemas.openxmlformats.org/drawingml/2006/main" xmlns:r="http://schemas.openxmlformats.org/officeDocument/2006/relationships" xmlns:mc="http://schemas.openxmlformats.org/markup-compatibility/2006" xmlns:mv="urn:schemas-microsoft-com:mac:vml" xmlns:p="http://schemas.openxmlformats.org/presentationml/2006/main" xmlns:c="http://schemas.openxmlformats.org/drawingml/2006/chart" xmlns:dgm="http://schemas.openxmlformats.org/drawingml/2006/diagram" xmlns:o="urn:schemas-microsoft-com:office:office" xmlns:v="urn:schemas-microsoft-com:vml" xmlns:pvml="urn:schemas-microsoft-com:office:powerpoint" xmlns:com="http://schemas.openxmlformats.org/drawingml/2006/compatibility" xmlns:p14="http://schemas.microsoft.com/office/powerpoint/2010/main" showMasterSp="0" showMasterPhAnim="0">
+  <p:cSld>
+    <p:spTree>
+      <p:nvGrpSpPr>
+        <p:cNvPr id="575" name="Shape 575"/>
+        <p:cNvGrpSpPr/>
+        <p:nvPr/>
+      </p:nvGrpSpPr>
+      <p:grpSpPr>
+        <a:xfrm>
+          <a:off y="0" x="0"/>
+          <a:ext cy="0" cx="0"/>
+          <a:chOff y="0" x="0"/>
+          <a:chExt cy="0" cx="0"/>
+        </a:xfrm>
+      </p:grpSpPr>
+      <p:sp>
+        <p:nvSpPr>
+          <p:cNvPr id="576" name="Shape 576"/>
+          <p:cNvSpPr/>
+          <p:nvPr>
+            <p:ph idx="2" type="sldImg"/>
+          </p:nvPr>
+        </p:nvSpPr>
+        <p:spPr>
+          <a:xfrm>
+            <a:off y="685800" x="381187"/>
+            <a:ext cy="3429000" cx="6096299"/>
+          </a:xfrm>
+          <a:custGeom>
+            <a:pathLst>
+              <a:path w="120000" extrusionOk="0" h="120000">
+                <a:moveTo>
+                  <a:pt y="0" x="0"/>
+                </a:moveTo>
+                <a:lnTo>
+                  <a:pt y="0" x="120000"/>
+                </a:lnTo>
+                <a:lnTo>
+                  <a:pt y="120000" x="120000"/>
+                </a:lnTo>
+                <a:lnTo>
+                  <a:pt y="120000" x="0"/>
+                </a:lnTo>
+                <a:close/>
+              </a:path>
+            </a:pathLst>
+          </a:custGeom>
+          <a:noFill/>
+          <a:ln w="9525" cap="flat">
+            <a:solidFill>
+              <a:srgbClr val="000000"/>
+            </a:solidFill>
+            <a:prstDash val="solid"/>
+            <a:round/>
+            <a:headEnd w="med" len="med" type="none"/>
+            <a:tailEnd w="med" len="med" type="none"/>
+          </a:ln>
+        </p:spPr>
+      </p:sp>
+      <p:sp>
+        <p:nvSpPr>
+          <p:cNvPr id="577" name="Shape 577"/>
+          <p:cNvSpPr txBox="1"/>
+          <p:nvPr>
+            <p:ph idx="1" type="body"/>
+          </p:nvPr>
+        </p:nvSpPr>
+        <p:spPr>
+          <a:xfrm>
+            <a:off y="4343400" x="685800"/>
+            <a:ext cy="4114800" cx="5486399"/>
+          </a:xfrm>
+          <a:prstGeom prst="rect">
+            <a:avLst/>
+          </a:prstGeom>
+        </p:spPr>
+        <p:txBody>
+          <a:bodyPr bIns="91425" rIns="91425" lIns="91425" tIns="91425" anchor="t" anchorCtr="0">
+            <a:noAutofit/>
+          </a:bodyPr>
+          <a:lstStyle/>
+          <a:p>
+            <a:pPr rtl="0" lvl="0">
+              <a:spcBef>
+                <a:spcPts val="0"/>
+              </a:spcBef>
+              <a:buNone/>
+            </a:pPr>
+            <a:r>
+              <a:t/>
+            </a:r>
+            <a:endParaRPr/>
+          </a:p>
+          <a:p>
+            <a:pPr rtl="0" lvl="0">
+              <a:spcBef>
+                <a:spcPts val="0"/>
+              </a:spcBef>
+              <a:buNone/>
+            </a:pPr>
+            <a:r>
+              <a:t/>
+            </a:r>
+            <a:endParaRPr/>
+          </a:p>
+        </p:txBody>
+      </p:sp>
+    </p:spTree>
+  </p:cSld>
+  <p:clrMapOvr>
+    <a:masterClrMapping/>
+  </p:clrMapOvr>
+</p:notes>
+</file>
+
+<file path=ppt/notesSlides/notesSlide48.xml><?xml version="1.0" encoding="utf-8"?>
+<p:notes xmlns:a="http://schemas.openxmlformats.org/drawingml/2006/main" xmlns:r="http://schemas.openxmlformats.org/officeDocument/2006/relationships" xmlns:mc="http://schemas.openxmlformats.org/markup-compatibility/2006" xmlns:mv="urn:schemas-microsoft-com:mac:vml" xmlns:p="http://schemas.openxmlformats.org/presentationml/2006/main" xmlns:c="http://schemas.openxmlformats.org/drawingml/2006/chart" xmlns:dgm="http://schemas.openxmlformats.org/drawingml/2006/diagram" xmlns:o="urn:schemas-microsoft-com:office:office" xmlns:v="urn:schemas-microsoft-com:vml" xmlns:pvml="urn:schemas-microsoft-com:office:powerpoint" xmlns:com="http://schemas.openxmlformats.org/drawingml/2006/compatibility" xmlns:p14="http://schemas.microsoft.com/office/powerpoint/2010/main" showMasterSp="0" showMasterPhAnim="0">
+  <p:cSld>
+    <p:spTree>
+      <p:nvGrpSpPr>
+        <p:cNvPr id="581" name="Shape 581"/>
+        <p:cNvGrpSpPr/>
+        <p:nvPr/>
+      </p:nvGrpSpPr>
+      <p:grpSpPr>
+        <a:xfrm>
+          <a:off y="0" x="0"/>
+          <a:ext cy="0" cx="0"/>
+          <a:chOff y="0" x="0"/>
+          <a:chExt cy="0" cx="0"/>
+        </a:xfrm>
+      </p:grpSpPr>
+      <p:sp>
+        <p:nvSpPr>
+          <p:cNvPr id="582" name="Shape 582"/>
+          <p:cNvSpPr/>
+          <p:nvPr>
+            <p:ph idx="2" type="sldImg"/>
+          </p:nvPr>
+        </p:nvSpPr>
+        <p:spPr>
+          <a:xfrm>
+            <a:off y="685800" x="381187"/>
+            <a:ext cy="3429000" cx="6096299"/>
+          </a:xfrm>
+          <a:custGeom>
+            <a:pathLst>
+              <a:path w="120000" extrusionOk="0" h="120000">
+                <a:moveTo>
+                  <a:pt y="0" x="0"/>
+                </a:moveTo>
+                <a:lnTo>
+                  <a:pt y="0" x="120000"/>
+                </a:lnTo>
+                <a:lnTo>
+                  <a:pt y="120000" x="120000"/>
+                </a:lnTo>
+                <a:lnTo>
+                  <a:pt y="120000" x="0"/>
+                </a:lnTo>
+                <a:close/>
+              </a:path>
+            </a:pathLst>
+          </a:custGeom>
+          <a:noFill/>
+          <a:ln w="9525" cap="flat">
+            <a:solidFill>
+              <a:srgbClr val="000000"/>
+            </a:solidFill>
+            <a:prstDash val="solid"/>
+            <a:round/>
+            <a:headEnd w="med" len="med" type="none"/>
+            <a:tailEnd w="med" len="med" type="none"/>
+          </a:ln>
+        </p:spPr>
+      </p:sp>
+      <p:sp>
+        <p:nvSpPr>
+          <p:cNvPr id="583" name="Shape 583"/>
           <p:cNvSpPr txBox="1"/>
           <p:nvPr>
             <p:ph idx="1" type="body"/>
@@ -8743,6 +8941,27 @@
             </a:r>
           </a:p>
           <a:p>
+            <a:pPr rtl="0" lvl="1" indent="-342900" marL="914400">
+              <a:spcBef>
+                <a:spcPts val="0"/>
+              </a:spcBef>
+              <a:buClr>
+                <a:srgbClr val="999999"/>
+              </a:buClr>
+              <a:buSzPct val="100000"/>
+              <a:buFont typeface="Courier New"/>
+              <a:buChar char="o"/>
+            </a:pPr>
+            <a:r>
+              <a:rPr sz="1800" lang="en">
+                <a:solidFill>
+                  <a:srgbClr val="999999"/>
+                </a:solidFill>
+              </a:rPr>
+              <a:t>Configurable processing load</a:t>
+            </a:r>
+          </a:p>
+          <a:p>
             <a:pPr rtl="0" lvl="0" indent="-342900" marL="457200">
               <a:spcBef>
                 <a:spcPts val="0"/>
@@ -8768,7 +8987,7 @@
                   <a:srgbClr val="999999"/>
                 </a:solidFill>
               </a:rPr>
-              <a:t>: Duplicate data and multicast</a:t>
+              <a:t>: Duplicate data and broadcast</a:t>
             </a:r>
           </a:p>
           <a:p>
@@ -9161,6 +9380,23 @@
             </a:r>
           </a:p>
           <a:p>
+            <a:pPr rtl="0" lvl="1" indent="-342900" marL="914400">
+              <a:spcBef>
+                <a:spcPts val="0"/>
+              </a:spcBef>
+              <a:buClr>
+                <a:schemeClr val="dk1"/>
+              </a:buClr>
+              <a:buSzPct val="100000"/>
+              <a:buFont typeface="Courier New"/>
+              <a:buChar char="o"/>
+            </a:pPr>
+            <a:r>
+              <a:rPr sz="1800" lang="en"/>
+              <a:t>Configurable processing load</a:t>
+            </a:r>
+          </a:p>
+          <a:p>
             <a:pPr rtl="0" lvl="0" indent="-342900" marL="457200">
               <a:spcBef>
                 <a:spcPts val="0"/>
@@ -9186,7 +9422,7 @@
                   <a:srgbClr val="999999"/>
                 </a:solidFill>
               </a:rPr>
-              <a:t>: Duplicate data and multicast</a:t>
+              <a:t>: Duplicate data and broadcast</a:t>
             </a:r>
           </a:p>
           <a:p>
@@ -9502,6 +9738,27 @@
             </a:r>
           </a:p>
           <a:p>
+            <a:pPr rtl="0" lvl="1" indent="-342900" marL="914400">
+              <a:spcBef>
+                <a:spcPts val="0"/>
+              </a:spcBef>
+              <a:buClr>
+                <a:srgbClr val="999999"/>
+              </a:buClr>
+              <a:buSzPct val="100000"/>
+              <a:buFont typeface="Courier New"/>
+              <a:buChar char="o"/>
+            </a:pPr>
+            <a:r>
+              <a:rPr sz="1800" lang="en">
+                <a:solidFill>
+                  <a:srgbClr val="999999"/>
+                </a:solidFill>
+              </a:rPr>
+              <a:t>Configurable processing load</a:t>
+            </a:r>
+          </a:p>
+          <a:p>
             <a:pPr rtl="0" lvl="0" indent="-342900" marL="457200">
               <a:spcBef>
                 <a:spcPts val="0"/>
@@ -9519,7 +9776,7 @@
             </a:r>
             <a:r>
               <a:rPr sz="1800" lang="en"/>
-              <a:t>: Duplicate data and multicast</a:t>
+              <a:t>: Duplicate data and broadcast</a:t>
             </a:r>
           </a:p>
           <a:p>
@@ -9835,6 +10092,27 @@
             </a:r>
           </a:p>
           <a:p>
+            <a:pPr rtl="0" lvl="1" indent="-342900" marL="914400">
+              <a:spcBef>
+                <a:spcPts val="0"/>
+              </a:spcBef>
+              <a:buClr>
+                <a:srgbClr val="999999"/>
+              </a:buClr>
+              <a:buSzPct val="100000"/>
+              <a:buFont typeface="Courier New"/>
+              <a:buChar char="o"/>
+            </a:pPr>
+            <a:r>
+              <a:rPr sz="1800" lang="en">
+                <a:solidFill>
+                  <a:srgbClr val="999999"/>
+                </a:solidFill>
+              </a:rPr>
+              <a:t>Configurable processing load</a:t>
+            </a:r>
+          </a:p>
+          <a:p>
             <a:pPr rtl="0" lvl="0" indent="-342900" marL="457200">
               <a:spcBef>
                 <a:spcPts val="0"/>
@@ -9860,7 +10138,7 @@
                   <a:srgbClr val="999999"/>
                 </a:solidFill>
               </a:rPr>
-              <a:t>: Duplicate data and multicast</a:t>
+              <a:t>: Duplicate data and broadcast</a:t>
             </a:r>
           </a:p>
           <a:p>
@@ -10257,84 +10535,9 @@
           <a:chExt cy="0" cx="0"/>
         </a:xfrm>
       </p:grpSpPr>
-      <p:sp>
-        <p:nvSpPr>
-          <p:cNvPr id="147" name="Shape 147"/>
-          <p:cNvSpPr txBox="1"/>
-          <p:nvPr>
-            <p:ph idx="1" type="body"/>
-          </p:nvPr>
-        </p:nvSpPr>
-        <p:spPr>
-          <a:xfrm>
-            <a:off y="1200150" x="457200"/>
-            <a:ext cy="3725699" cx="8229600"/>
-          </a:xfrm>
-          <a:prstGeom prst="rect">
-            <a:avLst/>
-          </a:prstGeom>
-        </p:spPr>
-        <p:txBody>
-          <a:bodyPr bIns="91425" rIns="91425" lIns="91425" tIns="91425" anchor="t" anchorCtr="0">
-            <a:noAutofit/>
-          </a:bodyPr>
-          <a:lstStyle/>
-          <a:p>
-            <a:pPr rtl="0" lvl="0" indent="-393700" marL="457200">
-              <a:spcBef>
-                <a:spcPts val="0"/>
-              </a:spcBef>
-              <a:buClr>
-                <a:schemeClr val="dk1"/>
-              </a:buClr>
-              <a:buSzPct val="100000"/>
-              <a:buFont typeface="Arial"/>
-              <a:buChar char="●"/>
-            </a:pPr>
-            <a:r>
-              <a:rPr sz="2600" lang="en"/>
-              <a:t>Instantiate nodes</a:t>
-            </a:r>
-          </a:p>
-          <a:p>
-            <a:pPr rtl="0" lvl="0" indent="-393700" marL="457200">
-              <a:spcBef>
-                <a:spcPts val="0"/>
-              </a:spcBef>
-              <a:buClr>
-                <a:schemeClr val="dk1"/>
-              </a:buClr>
-              <a:buSzPct val="100000"/>
-              <a:buFont typeface="Arial"/>
-              <a:buChar char="●"/>
-            </a:pPr>
-            <a:r>
-              <a:rPr sz="2600" lang="en"/>
-              <a:t>Controls the simulation</a:t>
-            </a:r>
-          </a:p>
-          <a:p>
-            <a:pPr rtl="0" lvl="0" indent="-393700" marL="457200">
-              <a:spcBef>
-                <a:spcPts val="0"/>
-              </a:spcBef>
-              <a:buClr>
-                <a:schemeClr val="dk1"/>
-              </a:buClr>
-              <a:buSzPct val="100000"/>
-              <a:buFont typeface="Arial"/>
-              <a:buChar char="●"/>
-            </a:pPr>
-            <a:r>
-              <a:rPr sz="2600" lang="en"/>
-              <a:t>Collects and aggregate statistics</a:t>
-            </a:r>
-          </a:p>
-        </p:txBody>
-      </p:sp>
       <p:pic>
         <p:nvPicPr>
-          <p:cNvPr id="148" name="Shape 148"/>
+          <p:cNvPr id="147" name="Shape 147"/>
           <p:cNvPicPr preferRelativeResize="0"/>
           <p:nvPr/>
         </p:nvPicPr>
@@ -10359,6 +10562,81 @@
           </a:ln>
         </p:spPr>
       </p:pic>
+      <p:sp>
+        <p:nvSpPr>
+          <p:cNvPr id="148" name="Shape 148"/>
+          <p:cNvSpPr txBox="1"/>
+          <p:nvPr>
+            <p:ph idx="1" type="body"/>
+          </p:nvPr>
+        </p:nvSpPr>
+        <p:spPr>
+          <a:xfrm>
+            <a:off y="1200150" x="457200"/>
+            <a:ext cy="3725699" cx="8229600"/>
+          </a:xfrm>
+          <a:prstGeom prst="rect">
+            <a:avLst/>
+          </a:prstGeom>
+        </p:spPr>
+        <p:txBody>
+          <a:bodyPr bIns="91425" rIns="91425" lIns="91425" tIns="91425" anchor="t" anchorCtr="0">
+            <a:noAutofit/>
+          </a:bodyPr>
+          <a:lstStyle/>
+          <a:p>
+            <a:pPr rtl="0" lvl="0" indent="-393700" marL="457200">
+              <a:spcBef>
+                <a:spcPts val="0"/>
+              </a:spcBef>
+              <a:buClr>
+                <a:schemeClr val="dk1"/>
+              </a:buClr>
+              <a:buSzPct val="100000"/>
+              <a:buFont typeface="Arial"/>
+              <a:buChar char="●"/>
+            </a:pPr>
+            <a:r>
+              <a:rPr sz="2600" lang="en"/>
+              <a:t>Instantiate nodes</a:t>
+            </a:r>
+          </a:p>
+          <a:p>
+            <a:pPr rtl="0" lvl="0" indent="-393700" marL="457200">
+              <a:spcBef>
+                <a:spcPts val="0"/>
+              </a:spcBef>
+              <a:buClr>
+                <a:schemeClr val="dk1"/>
+              </a:buClr>
+              <a:buSzPct val="100000"/>
+              <a:buFont typeface="Arial"/>
+              <a:buChar char="●"/>
+            </a:pPr>
+            <a:r>
+              <a:rPr sz="2600" lang="en"/>
+              <a:t>Controls the simulation</a:t>
+            </a:r>
+          </a:p>
+          <a:p>
+            <a:pPr rtl="0" lvl="0" indent="-393700" marL="457200">
+              <a:spcBef>
+                <a:spcPts val="0"/>
+              </a:spcBef>
+              <a:buClr>
+                <a:schemeClr val="dk1"/>
+              </a:buClr>
+              <a:buSzPct val="100000"/>
+              <a:buFont typeface="Arial"/>
+              <a:buChar char="●"/>
+            </a:pPr>
+            <a:r>
+              <a:rPr sz="2600" lang="en"/>
+              <a:t>Collects and aggregate statistics</a:t>
+            </a:r>
+          </a:p>
+        </p:txBody>
+      </p:sp>
       <p:sp>
         <p:nvSpPr>
           <p:cNvPr id="149" name="Shape 149"/>
@@ -10423,84 +10701,9 @@
           <a:chExt cy="0" cx="0"/>
         </a:xfrm>
       </p:grpSpPr>
-      <p:sp>
-        <p:nvSpPr>
-          <p:cNvPr id="154" name="Shape 154"/>
-          <p:cNvSpPr txBox="1"/>
-          <p:nvPr>
-            <p:ph idx="1" type="body"/>
-          </p:nvPr>
-        </p:nvSpPr>
-        <p:spPr>
-          <a:xfrm>
-            <a:off y="1200150" x="457200"/>
-            <a:ext cy="3725699" cx="8229600"/>
-          </a:xfrm>
-          <a:prstGeom prst="rect">
-            <a:avLst/>
-          </a:prstGeom>
-        </p:spPr>
-        <p:txBody>
-          <a:bodyPr bIns="91425" rIns="91425" lIns="91425" tIns="91425" anchor="t" anchorCtr="0">
-            <a:noAutofit/>
-          </a:bodyPr>
-          <a:lstStyle/>
-          <a:p>
-            <a:pPr rtl="0" lvl="0" indent="-393700" marL="457200">
-              <a:spcBef>
-                <a:spcPts val="0"/>
-              </a:spcBef>
-              <a:buClr>
-                <a:schemeClr val="dk1"/>
-              </a:buClr>
-              <a:buSzPct val="100000"/>
-              <a:buFont typeface="Arial"/>
-              <a:buChar char="●"/>
-            </a:pPr>
-            <a:r>
-              <a:rPr sz="2600" lang="en"/>
-              <a:t>Connect every components of the system</a:t>
-            </a:r>
-          </a:p>
-          <a:p>
-            <a:pPr rtl="0" lvl="0" indent="-393700" marL="457200">
-              <a:spcBef>
-                <a:spcPts val="0"/>
-              </a:spcBef>
-              <a:buClr>
-                <a:schemeClr val="dk1"/>
-              </a:buClr>
-              <a:buSzPct val="100000"/>
-              <a:buFont typeface="Arial"/>
-              <a:buChar char="●"/>
-            </a:pPr>
-            <a:r>
-              <a:rPr sz="2600" lang="en"/>
-              <a:t>Channel for control messages</a:t>
-            </a:r>
-          </a:p>
-          <a:p>
-            <a:pPr rtl="0" lvl="0" indent="-393700" marL="457200">
-              <a:spcBef>
-                <a:spcPts val="0"/>
-              </a:spcBef>
-              <a:buClr>
-                <a:schemeClr val="dk1"/>
-              </a:buClr>
-              <a:buSzPct val="100000"/>
-              <a:buFont typeface="Arial"/>
-              <a:buChar char="●"/>
-            </a:pPr>
-            <a:r>
-              <a:rPr sz="2600" lang="en"/>
-              <a:t>Channel for performance metrics</a:t>
-            </a:r>
-          </a:p>
-        </p:txBody>
-      </p:sp>
       <p:pic>
         <p:nvPicPr>
-          <p:cNvPr id="155" name="Shape 155"/>
+          <p:cNvPr id="154" name="Shape 154"/>
           <p:cNvPicPr preferRelativeResize="0"/>
           <p:nvPr/>
         </p:nvPicPr>
@@ -10525,6 +10728,81 @@
           </a:ln>
         </p:spPr>
       </p:pic>
+      <p:sp>
+        <p:nvSpPr>
+          <p:cNvPr id="155" name="Shape 155"/>
+          <p:cNvSpPr txBox="1"/>
+          <p:nvPr>
+            <p:ph idx="1" type="body"/>
+          </p:nvPr>
+        </p:nvSpPr>
+        <p:spPr>
+          <a:xfrm>
+            <a:off y="1200150" x="457200"/>
+            <a:ext cy="3725699" cx="8229600"/>
+          </a:xfrm>
+          <a:prstGeom prst="rect">
+            <a:avLst/>
+          </a:prstGeom>
+        </p:spPr>
+        <p:txBody>
+          <a:bodyPr bIns="91425" rIns="91425" lIns="91425" tIns="91425" anchor="t" anchorCtr="0">
+            <a:noAutofit/>
+          </a:bodyPr>
+          <a:lstStyle/>
+          <a:p>
+            <a:pPr rtl="0" lvl="0" indent="-393700" marL="457200">
+              <a:spcBef>
+                <a:spcPts val="0"/>
+              </a:spcBef>
+              <a:buClr>
+                <a:schemeClr val="dk1"/>
+              </a:buClr>
+              <a:buSzPct val="100000"/>
+              <a:buFont typeface="Arial"/>
+              <a:buChar char="●"/>
+            </a:pPr>
+            <a:r>
+              <a:rPr sz="2600" lang="en"/>
+              <a:t>Connect every components of the system</a:t>
+            </a:r>
+          </a:p>
+          <a:p>
+            <a:pPr rtl="0" lvl="0" indent="-393700" marL="457200">
+              <a:spcBef>
+                <a:spcPts val="0"/>
+              </a:spcBef>
+              <a:buClr>
+                <a:schemeClr val="dk1"/>
+              </a:buClr>
+              <a:buSzPct val="100000"/>
+              <a:buFont typeface="Arial"/>
+              <a:buChar char="●"/>
+            </a:pPr>
+            <a:r>
+              <a:rPr sz="2600" lang="en"/>
+              <a:t>Channel for control messages</a:t>
+            </a:r>
+          </a:p>
+          <a:p>
+            <a:pPr rtl="0" lvl="0" indent="-393700" marL="457200">
+              <a:spcBef>
+                <a:spcPts val="0"/>
+              </a:spcBef>
+              <a:buClr>
+                <a:schemeClr val="dk1"/>
+              </a:buClr>
+              <a:buSzPct val="100000"/>
+              <a:buFont typeface="Arial"/>
+              <a:buChar char="●"/>
+            </a:pPr>
+            <a:r>
+              <a:rPr sz="2600" lang="en"/>
+              <a:t>Channel for performance metrics</a:t>
+            </a:r>
+          </a:p>
+        </p:txBody>
+      </p:sp>
       <p:sp>
         <p:nvSpPr>
           <p:cNvPr id="156" name="Shape 156"/>
@@ -10589,84 +10867,9 @@
           <a:chExt cy="0" cx="0"/>
         </a:xfrm>
       </p:grpSpPr>
-      <p:sp>
-        <p:nvSpPr>
-          <p:cNvPr id="161" name="Shape 161"/>
-          <p:cNvSpPr txBox="1"/>
-          <p:nvPr>
-            <p:ph idx="1" type="body"/>
-          </p:nvPr>
-        </p:nvSpPr>
-        <p:spPr>
-          <a:xfrm>
-            <a:off y="1200150" x="457200"/>
-            <a:ext cy="3725699" cx="8229600"/>
-          </a:xfrm>
-          <a:prstGeom prst="rect">
-            <a:avLst/>
-          </a:prstGeom>
-        </p:spPr>
-        <p:txBody>
-          <a:bodyPr bIns="91425" rIns="91425" lIns="91425" tIns="91425" anchor="t" anchorCtr="0">
-            <a:noAutofit/>
-          </a:bodyPr>
-          <a:lstStyle/>
-          <a:p>
-            <a:pPr rtl="0" lvl="0" indent="-393700" marL="457200">
-              <a:spcBef>
-                <a:spcPts val="0"/>
-              </a:spcBef>
-              <a:buClr>
-                <a:schemeClr val="dk1"/>
-              </a:buClr>
-              <a:buSzPct val="100000"/>
-              <a:buFont typeface="Arial"/>
-              <a:buChar char="●"/>
-            </a:pPr>
-            <a:r>
-              <a:rPr sz="2600" lang="en"/>
-              <a:t>Represent one machine in deployment</a:t>
-            </a:r>
-          </a:p>
-          <a:p>
-            <a:pPr rtl="0" lvl="0" indent="-393700" marL="457200">
-              <a:spcBef>
-                <a:spcPts val="0"/>
-              </a:spcBef>
-              <a:buClr>
-                <a:schemeClr val="dk1"/>
-              </a:buClr>
-              <a:buSzPct val="100000"/>
-              <a:buFont typeface="Arial"/>
-              <a:buChar char="●"/>
-            </a:pPr>
-            <a:r>
-              <a:rPr sz="2600" lang="en"/>
-              <a:t>Composite nodes</a:t>
-            </a:r>
-          </a:p>
-          <a:p>
-            <a:pPr rtl="0" lvl="0" indent="-393700" marL="457200">
-              <a:spcBef>
-                <a:spcPts val="0"/>
-              </a:spcBef>
-              <a:buClr>
-                <a:schemeClr val="dk1"/>
-              </a:buClr>
-              <a:buSzPct val="100000"/>
-              <a:buFont typeface="Arial"/>
-              <a:buChar char="●"/>
-            </a:pPr>
-            <a:r>
-              <a:rPr sz="2600" lang="en"/>
-              <a:t>Be Configurable during runtime</a:t>
-            </a:r>
-          </a:p>
-        </p:txBody>
-      </p:sp>
       <p:pic>
         <p:nvPicPr>
-          <p:cNvPr id="162" name="Shape 162"/>
+          <p:cNvPr id="161" name="Shape 161"/>
           <p:cNvPicPr preferRelativeResize="0"/>
           <p:nvPr/>
         </p:nvPicPr>
@@ -10691,6 +10894,81 @@
           </a:ln>
         </p:spPr>
       </p:pic>
+      <p:sp>
+        <p:nvSpPr>
+          <p:cNvPr id="162" name="Shape 162"/>
+          <p:cNvSpPr txBox="1"/>
+          <p:nvPr>
+            <p:ph idx="1" type="body"/>
+          </p:nvPr>
+        </p:nvSpPr>
+        <p:spPr>
+          <a:xfrm>
+            <a:off y="1200150" x="457200"/>
+            <a:ext cy="3725699" cx="8229600"/>
+          </a:xfrm>
+          <a:prstGeom prst="rect">
+            <a:avLst/>
+          </a:prstGeom>
+        </p:spPr>
+        <p:txBody>
+          <a:bodyPr bIns="91425" rIns="91425" lIns="91425" tIns="91425" anchor="t" anchorCtr="0">
+            <a:noAutofit/>
+          </a:bodyPr>
+          <a:lstStyle/>
+          <a:p>
+            <a:pPr rtl="0" lvl="0" indent="-393700" marL="457200">
+              <a:spcBef>
+                <a:spcPts val="0"/>
+              </a:spcBef>
+              <a:buClr>
+                <a:schemeClr val="dk1"/>
+              </a:buClr>
+              <a:buSzPct val="100000"/>
+              <a:buFont typeface="Arial"/>
+              <a:buChar char="●"/>
+            </a:pPr>
+            <a:r>
+              <a:rPr sz="2600" lang="en"/>
+              <a:t>Represent one machine in deployment</a:t>
+            </a:r>
+          </a:p>
+          <a:p>
+            <a:pPr rtl="0" lvl="0" indent="-393700" marL="457200">
+              <a:spcBef>
+                <a:spcPts val="0"/>
+              </a:spcBef>
+              <a:buClr>
+                <a:schemeClr val="dk1"/>
+              </a:buClr>
+              <a:buSzPct val="100000"/>
+              <a:buFont typeface="Arial"/>
+              <a:buChar char="●"/>
+            </a:pPr>
+            <a:r>
+              <a:rPr sz="2600" lang="en"/>
+              <a:t>Composite nodes</a:t>
+            </a:r>
+          </a:p>
+          <a:p>
+            <a:pPr rtl="0" lvl="0" indent="-393700" marL="457200">
+              <a:spcBef>
+                <a:spcPts val="0"/>
+              </a:spcBef>
+              <a:buClr>
+                <a:schemeClr val="dk1"/>
+              </a:buClr>
+              <a:buSzPct val="100000"/>
+              <a:buFont typeface="Arial"/>
+              <a:buChar char="●"/>
+            </a:pPr>
+            <a:r>
+              <a:rPr sz="2600" lang="en"/>
+              <a:t>Be Configurable during runtime</a:t>
+            </a:r>
+          </a:p>
+        </p:txBody>
+      </p:sp>
       <p:sp>
         <p:nvSpPr>
           <p:cNvPr id="163" name="Shape 163"/>
@@ -14782,7 +15060,7 @@
           <p:nvPr/>
         </p:nvPicPr>
         <p:blipFill>
-          <a:blip r:embed="rId4">
+          <a:blip r:embed="rId3">
             <a:alphaModFix/>
           </a:blip>
           <a:stretch>
@@ -26026,9 +26304,7 @@
         <p:nvSpPr>
           <p:cNvPr id="515" name="Shape 515"/>
           <p:cNvSpPr txBox="1"/>
-          <p:nvPr>
-            <p:ph type="title"/>
-          </p:nvPr>
+          <p:nvPr/>
         </p:nvSpPr>
         <p:spPr>
           <a:xfrm>
@@ -26038,6 +26314,10 @@
           <a:prstGeom prst="rect">
             <a:avLst/>
           </a:prstGeom>
+          <a:noFill/>
+          <a:ln>
+            <a:noFill/>
+          </a:ln>
         </p:spPr>
         <p:txBody>
           <a:bodyPr bIns="91425" rIns="91425" lIns="91425" tIns="91425" anchor="b" anchorCtr="0">
@@ -26052,28 +26332,62 @@
               <a:buNone/>
             </a:pPr>
             <a:r>
-              <a:rPr lang="en"/>
-              <a:t>Acknowledgement</a:t>
-            </a:r>
-          </a:p>
-        </p:txBody>
-      </p:sp>
-      <p:sp>
-        <p:nvSpPr>
+              <a:rPr b="1" sz="3600" lang="en">
+                <a:solidFill>
+                  <a:srgbClr val="DA0002"/>
+                </a:solidFill>
+              </a:rPr>
+              <a:t>Tried and discarded</a:t>
+            </a:r>
+          </a:p>
+        </p:txBody>
+      </p:sp>
+      <p:pic>
+        <p:nvPicPr>
           <p:cNvPr id="516" name="Shape 516"/>
+          <p:cNvPicPr preferRelativeResize="0"/>
+          <p:nvPr/>
+        </p:nvPicPr>
+        <p:blipFill>
+          <a:blip r:embed="rId3">
+            <a:alphaModFix/>
+          </a:blip>
+          <a:stretch>
+            <a:fillRect/>
+          </a:stretch>
+        </p:blipFill>
+        <p:spPr>
+          <a:xfrm>
+            <a:off y="342400" x="5097575"/>
+            <a:ext cy="2314124" cx="4149850"/>
+          </a:xfrm>
+          <a:prstGeom prst="rect">
+            <a:avLst/>
+          </a:prstGeom>
+          <a:noFill/>
+          <a:ln>
+            <a:noFill/>
+          </a:ln>
+        </p:spPr>
+      </p:pic>
+      <p:sp>
+        <p:nvSpPr>
+          <p:cNvPr id="517" name="Shape 517"/>
           <p:cNvSpPr txBox="1"/>
-          <p:nvPr>
-            <p:ph idx="1" type="body"/>
-          </p:nvPr>
+          <p:nvPr/>
         </p:nvSpPr>
         <p:spPr>
           <a:xfrm>
             <a:off y="1200150" x="457200"/>
-            <a:ext cy="3725699" cx="8229600"/>
+            <a:ext cy="3725699" cx="5023499"/>
           </a:xfrm>
           <a:prstGeom prst="rect">
             <a:avLst/>
           </a:prstGeom>
+          <a:noFill/>
+          <a:ln>
+            <a:noFill/>
+          </a:ln>
         </p:spPr>
         <p:txBody>
           <a:bodyPr bIns="91425" rIns="91425" lIns="91425" tIns="91425" anchor="t" anchorCtr="0">
@@ -26081,24 +26395,256 @@
           </a:bodyPr>
           <a:lstStyle/>
           <a:p>
-            <a:pPr rtl="0" lvl="0" indent="-381000" marL="457200">
-              <a:spcBef>
-                <a:spcPts val="0"/>
-              </a:spcBef>
-              <a:buClr>
-                <a:schemeClr val="dk1"/>
+            <a:pPr rtl="0" lvl="0" indent="-355600" marL="457200">
+              <a:lnSpc>
+                <a:spcPct val="150000"/>
+              </a:lnSpc>
+              <a:spcBef>
+                <a:spcPts val="0"/>
+              </a:spcBef>
+              <a:buClr>
+                <a:srgbClr val="000000"/>
+              </a:buClr>
+              <a:buSzPct val="142857"/>
+              <a:buFont typeface="Arial"/>
+              <a:buChar char="●"/>
+            </a:pPr>
+            <a:r>
+              <a:rPr b="1" lang="en"/>
+              <a:t>System Design &amp; Development Progress</a:t>
+            </a:r>
+          </a:p>
+          <a:p>
+            <a:pPr rtl="0" lvl="0" indent="457200">
+              <a:lnSpc>
+                <a:spcPct val="150000"/>
+              </a:lnSpc>
+              <a:spcBef>
+                <a:spcPts val="0"/>
+              </a:spcBef>
+              <a:buNone/>
+            </a:pPr>
+            <a:r>
+              <a:rPr b="1" lang="en"/>
+              <a:t>Initial Design &amp; Implementation</a:t>
+            </a:r>
+          </a:p>
+          <a:p>
+            <a:pPr rtl="0" lvl="0" indent="-317500" marL="914400">
+              <a:lnSpc>
+                <a:spcPct val="115000"/>
+              </a:lnSpc>
+              <a:spcBef>
+                <a:spcPts val="0"/>
+              </a:spcBef>
+              <a:buClr>
+                <a:srgbClr val="000000"/>
               </a:buClr>
               <a:buSzPct val="100000"/>
               <a:buFont typeface="Arial"/>
               <a:buChar char="●"/>
             </a:pPr>
             <a:r>
-              <a:rPr sz="2400" lang="en"/>
-              <a:t>We would like to thank Ericsson Research for sponsoring this project and providing us with this opportunity. We would like to specially thank Vlad, Jia and Alvin for guiding us through this project providing us with valuable feedback on design of the system.</a:t>
-            </a:r>
-          </a:p>
-          <a:p>
-            <a:pPr rtl="0" lvl="0">
+              <a:rPr lang="en"/>
+              <a:t>Front-end: HTML5, JQuery, Sigma.js</a:t>
+            </a:r>
+          </a:p>
+          <a:p>
+            <a:pPr rtl="0" lvl="0" indent="-317500" marL="914400">
+              <a:lnSpc>
+                <a:spcPct val="115000"/>
+              </a:lnSpc>
+              <a:spcBef>
+                <a:spcPts val="0"/>
+              </a:spcBef>
+              <a:buClr>
+                <a:srgbClr val="000000"/>
+              </a:buClr>
+              <a:buSzPct val="100000"/>
+              <a:buFont typeface="Arial"/>
+              <a:buChar char="●"/>
+            </a:pPr>
+            <a:r>
+              <a:rPr lang="en"/>
+              <a:t>Back-end: Tomcat, Java Servlet</a:t>
+            </a:r>
+          </a:p>
+          <a:p>
+            <a:pPr rtl="0" lvl="0" indent="-317500" marL="914400">
+              <a:lnSpc>
+                <a:spcPct val="115000"/>
+              </a:lnSpc>
+              <a:spcBef>
+                <a:spcPts val="0"/>
+              </a:spcBef>
+              <a:buClr>
+                <a:srgbClr val="000000"/>
+              </a:buClr>
+              <a:buSzPct val="100000"/>
+              <a:buFont typeface="Arial"/>
+              <a:buChar char="●"/>
+            </a:pPr>
+            <a:r>
+              <a:rPr lang="en"/>
+              <a:t>Inter-process call:</a:t>
+            </a:r>
+          </a:p>
+          <a:p>
+            <a:pPr rtl="0" lvl="0" indent="-317500" marL="1371600">
+              <a:lnSpc>
+                <a:spcPct val="115000"/>
+              </a:lnSpc>
+              <a:spcBef>
+                <a:spcPts val="0"/>
+              </a:spcBef>
+              <a:buClr>
+                <a:srgbClr val="000000"/>
+              </a:buClr>
+              <a:buSzPct val="100000"/>
+              <a:buFont typeface="Arial"/>
+              <a:buChar char="●"/>
+            </a:pPr>
+            <a:r>
+              <a:rPr lang="en"/>
+              <a:t>Ajax</a:t>
+            </a:r>
+          </a:p>
+          <a:p>
+            <a:pPr rtl="0" lvl="0" indent="-317500" marL="1371600">
+              <a:lnSpc>
+                <a:spcPct val="115000"/>
+              </a:lnSpc>
+              <a:spcBef>
+                <a:spcPts val="0"/>
+              </a:spcBef>
+              <a:buClr>
+                <a:srgbClr val="000000"/>
+              </a:buClr>
+              <a:buSzPct val="100000"/>
+              <a:buFont typeface="Arial"/>
+              <a:buChar char="●"/>
+            </a:pPr>
+            <a:r>
+              <a:rPr lang="en"/>
+              <a:t>Java RMI</a:t>
+            </a:r>
+          </a:p>
+          <a:p>
+            <a:pPr rtl="0" lvl="0" indent="-317500" marL="1371600">
+              <a:lnSpc>
+                <a:spcPct val="150000"/>
+              </a:lnSpc>
+              <a:spcBef>
+                <a:spcPts val="0"/>
+              </a:spcBef>
+              <a:buClr>
+                <a:srgbClr val="000000"/>
+              </a:buClr>
+              <a:buSzPct val="100000"/>
+              <a:buFont typeface="Arial"/>
+              <a:buChar char="●"/>
+            </a:pPr>
+            <a:r>
+              <a:rPr lang="en"/>
+              <a:t>RabbitMQ</a:t>
+            </a:r>
+          </a:p>
+          <a:p>
+            <a:pPr rtl="0" lvl="0" indent="457200">
+              <a:lnSpc>
+                <a:spcPct val="150000"/>
+              </a:lnSpc>
+              <a:spcBef>
+                <a:spcPts val="0"/>
+              </a:spcBef>
+              <a:buNone/>
+            </a:pPr>
+            <a:r>
+              <a:rPr b="1" lang="en">
+                <a:solidFill>
+                  <a:srgbClr val="000000"/>
+                </a:solidFill>
+              </a:rPr>
+              <a:t>Evaluation of Initial Design</a:t>
+            </a:r>
+          </a:p>
+          <a:p>
+            <a:pPr rtl="0" lvl="0" indent="-317500" marL="914400">
+              <a:lnSpc>
+                <a:spcPct val="115000"/>
+              </a:lnSpc>
+              <a:spcBef>
+                <a:spcPts val="0"/>
+              </a:spcBef>
+              <a:buClr>
+                <a:srgbClr val="000000"/>
+              </a:buClr>
+              <a:buSzPct val="100000"/>
+              <a:buFont typeface="Arial"/>
+              <a:buChar char="●"/>
+            </a:pPr>
+            <a:r>
+              <a:rPr lang="en">
+                <a:solidFill>
+                  <a:srgbClr val="000000"/>
+                </a:solidFill>
+              </a:rPr>
+              <a:t>Multiple communication mechanisms</a:t>
+            </a:r>
+          </a:p>
+          <a:p>
+            <a:pPr rtl="0" lvl="0" indent="-317500" marL="914400">
+              <a:lnSpc>
+                <a:spcPct val="115000"/>
+              </a:lnSpc>
+              <a:spcBef>
+                <a:spcPts val="0"/>
+              </a:spcBef>
+              <a:buClr>
+                <a:srgbClr val="000000"/>
+              </a:buClr>
+              <a:buSzPct val="100000"/>
+              <a:buFont typeface="Arial"/>
+              <a:buChar char="●"/>
+            </a:pPr>
+            <a:r>
+              <a:rPr lang="en">
+                <a:solidFill>
+                  <a:srgbClr val="000000"/>
+                </a:solidFill>
+              </a:rPr>
+              <a:t>Too many dependencies</a:t>
+            </a:r>
+          </a:p>
+          <a:p>
+            <a:pPr rtl="0" lvl="0" indent="-317500" marL="914400">
+              <a:lnSpc>
+                <a:spcPct val="150000"/>
+              </a:lnSpc>
+              <a:spcBef>
+                <a:spcPts val="0"/>
+              </a:spcBef>
+              <a:buClr>
+                <a:srgbClr val="000000"/>
+              </a:buClr>
+              <a:buSzPct val="100000"/>
+              <a:buFont typeface="Arial"/>
+              <a:buChar char="●"/>
+            </a:pPr>
+            <a:r>
+              <a:rPr lang="en">
+                <a:solidFill>
+                  <a:srgbClr val="000000"/>
+                </a:solidFill>
+              </a:rPr>
+              <a:t>No unified interfaces for control messages</a:t>
+            </a:r>
+          </a:p>
+          <a:p>
+            <a:pPr rtl="0" lvl="0">
+              <a:lnSpc>
+                <a:spcPct val="115000"/>
+              </a:lnSpc>
               <a:spcBef>
                 <a:spcPts val="0"/>
               </a:spcBef>
@@ -26133,8 +26679,48 @@
             </a:r>
             <a:endParaRPr/>
           </a:p>
-        </p:txBody>
-      </p:sp>
+          <a:p>
+            <a:pPr rtl="0" lvl="0" indent="0" marL="914400">
+              <a:spcBef>
+                <a:spcPts val="0"/>
+              </a:spcBef>
+              <a:buNone/>
+            </a:pPr>
+            <a:r>
+              <a:t/>
+            </a:r>
+            <a:endParaRPr/>
+          </a:p>
+        </p:txBody>
+      </p:sp>
+      <p:pic>
+        <p:nvPicPr>
+          <p:cNvPr id="518" name="Shape 518"/>
+          <p:cNvPicPr preferRelativeResize="0"/>
+          <p:nvPr/>
+        </p:nvPicPr>
+        <p:blipFill>
+          <a:blip r:embed="rId4">
+            <a:alphaModFix/>
+          </a:blip>
+          <a:stretch>
+            <a:fillRect/>
+          </a:stretch>
+        </p:blipFill>
+        <p:spPr>
+          <a:xfrm>
+            <a:off y="2772250" x="5211725"/>
+            <a:ext cy="2314125" cx="3921549"/>
+          </a:xfrm>
+          <a:prstGeom prst="rect">
+            <a:avLst/>
+          </a:prstGeom>
+          <a:noFill/>
+          <a:ln>
+            <a:noFill/>
+          </a:ln>
+        </p:spPr>
+      </p:pic>
     </p:spTree>
   </p:cSld>
   <p:clrMapOvr>
@@ -26251,7 +26837,7 @@
   <p:cSld>
     <p:spTree>
       <p:nvGrpSpPr>
-        <p:cNvPr id="520" name="Shape 520"/>
+        <p:cNvPr id="522" name="Shape 522"/>
         <p:cNvGrpSpPr/>
         <p:nvPr/>
       </p:nvGrpSpPr>
@@ -26265,11 +26851,9 @@
       </p:grpSpPr>
       <p:sp>
         <p:nvSpPr>
-          <p:cNvPr id="521" name="Shape 521"/>
+          <p:cNvPr id="523" name="Shape 523"/>
           <p:cNvSpPr txBox="1"/>
-          <p:nvPr>
-            <p:ph type="title"/>
-          </p:nvPr>
+          <p:nvPr/>
         </p:nvSpPr>
         <p:spPr>
           <a:xfrm>
@@ -26279,6 +26863,10 @@
           <a:prstGeom prst="rect">
             <a:avLst/>
           </a:prstGeom>
+          <a:noFill/>
+          <a:ln>
+            <a:noFill/>
+          </a:ln>
         </p:spPr>
         <p:txBody>
           <a:bodyPr bIns="91425" rIns="91425" lIns="91425" tIns="91425" anchor="b" anchorCtr="0">
@@ -26293,19 +26881,21 @@
               <a:buNone/>
             </a:pPr>
             <a:r>
-              <a:rPr lang="en"/>
-              <a:t>Questions</a:t>
-            </a:r>
-          </a:p>
-        </p:txBody>
-      </p:sp>
-      <p:sp>
-        <p:nvSpPr>
-          <p:cNvPr id="522" name="Shape 522"/>
+              <a:rPr b="1" sz="3600" lang="en">
+                <a:solidFill>
+                  <a:srgbClr val="DA0002"/>
+                </a:solidFill>
+              </a:rPr>
+              <a:t>Tried and discarded</a:t>
+            </a:r>
+          </a:p>
+        </p:txBody>
+      </p:sp>
+      <p:sp>
+        <p:nvSpPr>
+          <p:cNvPr id="524" name="Shape 524"/>
           <p:cNvSpPr txBox="1"/>
-          <p:nvPr>
-            <p:ph idx="1" type="body"/>
-          </p:nvPr>
+          <p:nvPr/>
         </p:nvSpPr>
         <p:spPr>
           <a:xfrm>
@@ -26315,6 +26905,10 @@
           <a:prstGeom prst="rect">
             <a:avLst/>
           </a:prstGeom>
+          <a:noFill/>
+          <a:ln>
+            <a:noFill/>
+          </a:ln>
         </p:spPr>
         <p:txBody>
           <a:bodyPr bIns="91425" rIns="91425" lIns="91425" tIns="91425" anchor="t" anchorCtr="0">
@@ -26322,62 +26916,78 @@
           </a:bodyPr>
           <a:lstStyle/>
           <a:p>
-            <a:pPr rtl="0" lvl="0">
+            <a:pPr rtl="0" lvl="0" indent="-419100" marL="457200">
+              <a:spcBef>
+                <a:spcPts val="0"/>
+              </a:spcBef>
+              <a:buClr>
+                <a:srgbClr val="000000"/>
+              </a:buClr>
+              <a:buSzPct val="100000"/>
+              <a:buFont typeface="Arial"/>
+              <a:buChar char="●"/>
+            </a:pPr>
+            <a:r>
+              <a:rPr sz="3000" lang="en">
+                <a:solidFill>
+                  <a:srgbClr val="000000"/>
+                </a:solidFill>
+              </a:rPr>
+              <a:t>Ns2, </a:t>
+            </a:r>
+            <a:r>
+              <a:rPr sz="3000" lang="en">
+                <a:solidFill>
+                  <a:schemeClr val="dk1"/>
+                </a:solidFill>
+              </a:rPr>
+              <a:t>Gns3 / NetSim, Mininet, Omnet++</a:t>
+            </a:r>
+          </a:p>
+          <a:p>
+            <a:pPr rtl="0" lvl="0" indent="-419100" marL="457200">
               <a:spcBef>
                 <a:spcPts val="0"/>
               </a:spcBef>
               <a:buClr>
                 <a:schemeClr val="dk1"/>
               </a:buClr>
-              <a:buFont typeface="Arial"/>
-              <a:buNone/>
-            </a:pPr>
-            <a:r>
-              <a:t/>
-            </a:r>
-            <a:endParaRPr sz="1800"/>
-          </a:p>
-          <a:p>
-            <a:pPr rtl="0" lvl="0">
-              <a:spcBef>
-                <a:spcPts val="0"/>
-              </a:spcBef>
-              <a:buNone/>
-            </a:pPr>
-            <a:r>
-              <a:t/>
-            </a:r>
-            <a:endParaRPr/>
-          </a:p>
-        </p:txBody>
-      </p:sp>
-      <p:pic>
-        <p:nvPicPr>
-          <p:cNvPr id="523" name="Shape 523"/>
-          <p:cNvPicPr preferRelativeResize="0"/>
-          <p:nvPr/>
-        </p:nvPicPr>
-        <p:blipFill rotWithShape="1">
-          <a:blip r:embed="rId3">
-            <a:alphaModFix/>
-          </a:blip>
-          <a:srcRect t="0" b="0" r="0" l="0"/>
-          <a:stretch/>
-        </p:blipFill>
-        <p:spPr>
-          <a:xfrm>
-            <a:off y="1759711" x="1802825"/>
-            <a:ext cy="2606700" cx="5213099"/>
-          </a:xfrm>
-          <a:prstGeom prst="rect">
-            <a:avLst/>
-          </a:prstGeom>
-          <a:noFill/>
-          <a:ln>
-            <a:noFill/>
-          </a:ln>
-        </p:spPr>
-      </p:pic>
+              <a:buSzPct val="100000"/>
+              <a:buFont typeface="Arial"/>
+              <a:buChar char="●"/>
+            </a:pPr>
+            <a:r>
+              <a:rPr sz="3000" lang="en">
+                <a:solidFill>
+                  <a:schemeClr val="dk1"/>
+                </a:solidFill>
+              </a:rPr>
+              <a:t>Not Scalable: Simulations run on a single machine.</a:t>
+            </a:r>
+          </a:p>
+          <a:p>
+            <a:pPr rtl="0" lvl="0" indent="-419100" marL="457200">
+              <a:spcBef>
+                <a:spcPts val="600"/>
+              </a:spcBef>
+              <a:buClr>
+                <a:schemeClr val="dk1"/>
+              </a:buClr>
+              <a:buSzPct val="100000"/>
+              <a:buFont typeface="Arial"/>
+              <a:buChar char="●"/>
+            </a:pPr>
+            <a:r>
+              <a:rPr sz="3000" lang="en">
+                <a:solidFill>
+                  <a:schemeClr val="dk1"/>
+                </a:solidFill>
+              </a:rPr>
+              <a:t>Nodes simulate L2 to L4 of the network stack and don't have functionality to simulate L7 processing.</a:t>
+            </a:r>
+          </a:p>
+        </p:txBody>
+      </p:sp>
     </p:spTree>
   </p:cSld>
   <p:clrMapOvr>
@@ -26394,7 +27004,7 @@
   <p:cSld>
     <p:spTree>
       <p:nvGrpSpPr>
-        <p:cNvPr id="527" name="Shape 527"/>
+        <p:cNvPr id="528" name="Shape 528"/>
         <p:cNvGrpSpPr/>
         <p:nvPr/>
       </p:nvGrpSpPr>
@@ -26408,7 +27018,7 @@
       </p:grpSpPr>
       <p:sp>
         <p:nvSpPr>
-          <p:cNvPr id="528" name="Shape 528"/>
+          <p:cNvPr id="529" name="Shape 529"/>
           <p:cNvSpPr txBox="1"/>
           <p:nvPr>
             <p:ph type="title"/>
@@ -26416,8 +27026,8 @@
         </p:nvSpPr>
         <p:spPr>
           <a:xfrm>
-            <a:off y="205975" x="338275"/>
-            <a:ext cy="857400" cx="8640599"/>
+            <a:off y="205978" x="457200"/>
+            <a:ext cy="857400" cx="8229600"/>
           </a:xfrm>
           <a:prstGeom prst="rect">
             <a:avLst/>
@@ -26437,14 +27047,14 @@
             </a:pPr>
             <a:r>
               <a:rPr lang="en"/>
-              <a:t>High Level View of MDN Simulator</a:t>
-            </a:r>
-          </a:p>
-        </p:txBody>
-      </p:sp>
-      <p:sp>
-        <p:nvSpPr>
-          <p:cNvPr id="529" name="Shape 529"/>
+              <a:t>Acknowledgement</a:t>
+            </a:r>
+          </a:p>
+        </p:txBody>
+      </p:sp>
+      <p:sp>
+        <p:nvSpPr>
+          <p:cNvPr id="530" name="Shape 530"/>
           <p:cNvSpPr txBox="1"/>
           <p:nvPr>
             <p:ph idx="1" type="body"/>
@@ -26452,8 +27062,8 @@
         </p:nvSpPr>
         <p:spPr>
           <a:xfrm>
-            <a:off y="1200150" x="284925"/>
-            <a:ext cy="3725699" cx="4111499"/>
+            <a:off y="1200150" x="457200"/>
+            <a:ext cy="3725699" cx="8229600"/>
           </a:xfrm>
           <a:prstGeom prst="rect">
             <a:avLst/>
@@ -26465,7 +27075,7 @@
           </a:bodyPr>
           <a:lstStyle/>
           <a:p>
-            <a:pPr rtl="0" lvl="0" indent="-342900" marL="457200">
+            <a:pPr rtl="0" lvl="0" indent="-381000" marL="457200">
               <a:spcBef>
                 <a:spcPts val="0"/>
               </a:spcBef>
@@ -26477,182 +27087,12 @@
               <a:buChar char="●"/>
             </a:pPr>
             <a:r>
-              <a:rPr sz="1800" lang="en"/>
-              <a:t>Master</a:t>
-            </a:r>
-          </a:p>
-          <a:p>
-            <a:pPr rtl="0" lvl="1" indent="-342900" marL="914400">
-              <a:spcBef>
-                <a:spcPts val="0"/>
-              </a:spcBef>
-              <a:buClr>
-                <a:schemeClr val="dk1"/>
-              </a:buClr>
-              <a:buSzPct val="100000"/>
-              <a:buFont typeface="Arial"/>
-              <a:buChar char="○"/>
-            </a:pPr>
-            <a:r>
-              <a:rPr sz="1800" lang="en"/>
-              <a:t>Control the system</a:t>
-            </a:r>
-          </a:p>
-          <a:p>
-            <a:pPr rtl="0" lvl="1" indent="-342900" marL="914400">
-              <a:spcBef>
-                <a:spcPts val="0"/>
-              </a:spcBef>
-              <a:buClr>
-                <a:schemeClr val="dk1"/>
-              </a:buClr>
-              <a:buSzPct val="100000"/>
-              <a:buFont typeface="Arial"/>
-              <a:buChar char="○"/>
-            </a:pPr>
-            <a:r>
-              <a:rPr sz="1800" lang="en"/>
-              <a:t>Collect metrics</a:t>
-            </a:r>
-          </a:p>
-          <a:p>
-            <a:pPr rtl="0" lvl="0" indent="-342900" marL="457200">
-              <a:spcBef>
-                <a:spcPts val="0"/>
-              </a:spcBef>
-              <a:buClr>
-                <a:schemeClr val="dk1"/>
-              </a:buClr>
-              <a:buSzPct val="100000"/>
-              <a:buFont typeface="Arial"/>
-              <a:buChar char="●"/>
-            </a:pPr>
-            <a:r>
-              <a:rPr sz="1800" lang="en"/>
-              <a:t>Web Client</a:t>
-            </a:r>
-          </a:p>
-          <a:p>
-            <a:pPr rtl="0" lvl="1" indent="-342900" marL="914400">
-              <a:spcBef>
-                <a:spcPts val="0"/>
-              </a:spcBef>
-              <a:buClr>
-                <a:schemeClr val="dk1"/>
-              </a:buClr>
-              <a:buSzPct val="100000"/>
-              <a:buFont typeface="Arial"/>
-              <a:buChar char="○"/>
-            </a:pPr>
-            <a:r>
-              <a:rPr sz="1800" lang="en"/>
-              <a:t>Visualize nodes</a:t>
-            </a:r>
-          </a:p>
-          <a:p>
-            <a:pPr rtl="0" lvl="1" indent="-342900" marL="914400">
-              <a:spcBef>
-                <a:spcPts val="0"/>
-              </a:spcBef>
-              <a:buClr>
-                <a:schemeClr val="dk1"/>
-              </a:buClr>
-              <a:buSzPct val="100000"/>
-              <a:buFont typeface="Arial"/>
-              <a:buChar char="○"/>
-            </a:pPr>
-            <a:r>
-              <a:rPr sz="1800" lang="en"/>
-              <a:t>Present metrics to user</a:t>
-            </a:r>
-          </a:p>
-          <a:p>
-            <a:pPr rtl="0" lvl="1" indent="-342900" marL="914400">
-              <a:spcBef>
-                <a:spcPts val="0"/>
-              </a:spcBef>
-              <a:buClr>
-                <a:schemeClr val="dk1"/>
-              </a:buClr>
-              <a:buSzPct val="100000"/>
-              <a:buFont typeface="Arial"/>
-              <a:buChar char="○"/>
-            </a:pPr>
-            <a:r>
-              <a:rPr sz="1800" lang="en"/>
-              <a:t>Input - Control simulation</a:t>
-            </a:r>
-          </a:p>
-          <a:p>
-            <a:pPr rtl="0" lvl="0" indent="-342900" marL="457200">
-              <a:spcBef>
-                <a:spcPts val="0"/>
-              </a:spcBef>
-              <a:buClr>
-                <a:schemeClr val="dk1"/>
-              </a:buClr>
-              <a:buSzPct val="100000"/>
-              <a:buFont typeface="Arial"/>
-              <a:buChar char="●"/>
-            </a:pPr>
-            <a:r>
-              <a:rPr sz="1800" lang="en"/>
-              <a:t>Node Container</a:t>
-            </a:r>
-          </a:p>
-          <a:p>
-            <a:pPr rtl="0" lvl="1" indent="-342900" marL="914400">
-              <a:spcBef>
-                <a:spcPts val="0"/>
-              </a:spcBef>
-              <a:buClr>
-                <a:schemeClr val="dk1"/>
-              </a:buClr>
-              <a:buSzPct val="100000"/>
-              <a:buFont typeface="Arial"/>
-              <a:buChar char="○"/>
-            </a:pPr>
-            <a:r>
-              <a:rPr sz="1800" lang="en"/>
-              <a:t>Host and manage the nodes</a:t>
-            </a:r>
-          </a:p>
-          <a:p>
-            <a:pPr rtl="0" lvl="0" indent="-342900" marL="457200">
-              <a:spcBef>
-                <a:spcPts val="0"/>
-              </a:spcBef>
-              <a:buClr>
-                <a:schemeClr val="dk1"/>
-              </a:buClr>
-              <a:buSzPct val="100000"/>
-              <a:buFont typeface="Arial"/>
-              <a:buChar char="●"/>
-            </a:pPr>
-            <a:r>
-              <a:rPr sz="1800" lang="en"/>
-              <a:t>Message Bus</a:t>
-            </a:r>
-          </a:p>
-          <a:p>
-            <a:pPr rtl="0" lvl="1" indent="-342900" marL="914400">
-              <a:spcBef>
-                <a:spcPts val="0"/>
-              </a:spcBef>
-              <a:buClr>
-                <a:schemeClr val="dk1"/>
-              </a:buClr>
-              <a:buSzPct val="100000"/>
-              <a:buFont typeface="Arial"/>
-              <a:buChar char="○"/>
-            </a:pPr>
-            <a:r>
-              <a:rPr sz="1800" lang="en"/>
-              <a:t>Communication link between all components</a:t>
-            </a:r>
-          </a:p>
-          <a:p>
-            <a:pPr rtl="0" lvl="0" indent="0" marL="457200">
+              <a:rPr sz="2400" lang="en"/>
+              <a:t>We would like to thank Ericsson Research for sponsoring this project and providing us with this opportunity. We would like to specially thank Vlad, Jia and Alvin for guiding us through this project providing us with valuable feedback on design of the system.</a:t>
+            </a:r>
+          </a:p>
+          <a:p>
+            <a:pPr rtl="0" lvl="0">
               <a:spcBef>
                 <a:spcPts val="0"/>
               </a:spcBef>
@@ -26661,38 +27101,34 @@
             <a:r>
               <a:t/>
             </a:r>
-            <a:endParaRPr sz="1800"/>
-          </a:p>
-        </p:txBody>
-      </p:sp>
-      <p:pic>
-        <p:nvPicPr>
-          <p:cNvPr id="530" name="Shape 530"/>
-          <p:cNvPicPr preferRelativeResize="0"/>
-          <p:nvPr/>
-        </p:nvPicPr>
-        <p:blipFill>
-          <a:blip r:embed="rId3">
-            <a:alphaModFix/>
-          </a:blip>
-          <a:stretch>
-            <a:fillRect/>
-          </a:stretch>
-        </p:blipFill>
-        <p:spPr>
-          <a:xfrm>
-            <a:off y="1460737" x="4309974"/>
-            <a:ext cy="3204525" cx="4668900"/>
-          </a:xfrm>
-          <a:prstGeom prst="rect">
-            <a:avLst/>
-          </a:prstGeom>
-          <a:noFill/>
-          <a:ln>
-            <a:noFill/>
-          </a:ln>
-        </p:spPr>
-      </p:pic>
+            <a:endParaRPr/>
+          </a:p>
+          <a:p>
+            <a:pPr rtl="0" lvl="0">
+              <a:spcBef>
+                <a:spcPts val="0"/>
+              </a:spcBef>
+              <a:buNone/>
+            </a:pPr>
+            <a:r>
+              <a:t/>
+            </a:r>
+            <a:endParaRPr/>
+          </a:p>
+          <a:p>
+            <a:pPr rtl="0" lvl="0">
+              <a:spcBef>
+                <a:spcPts val="0"/>
+              </a:spcBef>
+              <a:buNone/>
+            </a:pPr>
+            <a:r>
+              <a:t/>
+            </a:r>
+            <a:endParaRPr/>
+          </a:p>
+        </p:txBody>
+      </p:sp>
     </p:spTree>
   </p:cSld>
   <p:clrMapOvr>
@@ -26752,7 +27188,7 @@
             </a:pPr>
             <a:r>
               <a:rPr lang="en"/>
-              <a:t>Components</a:t>
+              <a:t>Questions</a:t>
             </a:r>
           </a:p>
         </p:txBody>
@@ -26780,103 +27216,62 @@
           </a:bodyPr>
           <a:lstStyle/>
           <a:p>
-            <a:pPr rtl="0" lvl="0" indent="-381000" marL="457200">
+            <a:pPr rtl="0" lvl="0">
               <a:spcBef>
                 <a:spcPts val="0"/>
               </a:spcBef>
               <a:buClr>
                 <a:schemeClr val="dk1"/>
               </a:buClr>
-              <a:buSzPct val="100000"/>
-              <a:buFont typeface="Arial"/>
-              <a:buChar char="●"/>
-            </a:pPr>
-            <a:r>
-              <a:rPr b="1" sz="2400" lang="en"/>
-              <a:t>Master Node</a:t>
-            </a:r>
-            <a:r>
-              <a:rPr sz="2400" lang="en"/>
-              <a:t>: The server that instantiates/deploys the nodes, collects and aggregates statistics and controls the overall simulation</a:t>
-            </a:r>
-          </a:p>
-          <a:p>
-            <a:pPr rtl="0" lvl="0" indent="-381000" marL="457200">
-              <a:spcBef>
-                <a:spcPts val="0"/>
-              </a:spcBef>
-              <a:buClr>
-                <a:schemeClr val="dk1"/>
-              </a:buClr>
-              <a:buSzPct val="100000"/>
-              <a:buFont typeface="Arial"/>
-              <a:buChar char="●"/>
-            </a:pPr>
-            <a:r>
-              <a:rPr b="1" sz="2400" lang="en"/>
-              <a:t>Web Client</a:t>
-            </a:r>
-            <a:r>
-              <a:rPr sz="2400" lang="en"/>
-              <a:t>: The web interface that lets us interact with the system and visualize the state of the system</a:t>
-            </a:r>
-          </a:p>
-          <a:p>
-            <a:pPr rtl="0" lvl="0" indent="-381000" marL="457200">
-              <a:spcBef>
-                <a:spcPts val="0"/>
-              </a:spcBef>
-              <a:buClr>
-                <a:schemeClr val="dk1"/>
-              </a:buClr>
-              <a:buSzPct val="100000"/>
-              <a:buFont typeface="Arial"/>
-              <a:buChar char="●"/>
-            </a:pPr>
-            <a:r>
-              <a:rPr b="1" sz="2400" lang="en"/>
-              <a:t>Message Bus</a:t>
-            </a:r>
-            <a:r>
-              <a:rPr sz="2400" lang="en"/>
-              <a:t>: A decentralized messaging framework that lets us transfer control messages in a reliable manner separately from the data traffic</a:t>
-            </a:r>
-          </a:p>
-          <a:p>
-            <a:pPr rtl="0" lvl="0" indent="-381000" marL="457200">
-              <a:spcBef>
-                <a:spcPts val="0"/>
-              </a:spcBef>
-              <a:buClr>
-                <a:schemeClr val="dk1"/>
-              </a:buClr>
-              <a:buSzPct val="100000"/>
-              <a:buFont typeface="Arial"/>
-              <a:buChar char="●"/>
-            </a:pPr>
-            <a:r>
-              <a:rPr b="1" sz="2400" lang="en"/>
-              <a:t>Node Containers</a:t>
-            </a:r>
-            <a:r>
-              <a:rPr sz="2400" lang="en"/>
-              <a:t>: A remote process that hosts various node types of the simulation </a:t>
-            </a:r>
-          </a:p>
-          <a:p>
-            <a:pPr rtl="0" lvl="0">
-              <a:spcBef>
-                <a:spcPts val="0"/>
-              </a:spcBef>
+              <a:buFont typeface="Arial"/>
               <a:buNone/>
             </a:pPr>
             <a:r>
               <a:t/>
             </a:r>
+            <a:endParaRPr sz="1800"/>
+          </a:p>
+          <a:p>
+            <a:pPr rtl="0" lvl="0">
+              <a:spcBef>
+                <a:spcPts val="0"/>
+              </a:spcBef>
+              <a:buNone/>
+            </a:pPr>
+            <a:r>
+              <a:t/>
+            </a:r>
             <a:endParaRPr/>
           </a:p>
         </p:txBody>
       </p:sp>
+      <p:pic>
+        <p:nvPicPr>
+          <p:cNvPr id="537" name="Shape 537"/>
+          <p:cNvPicPr preferRelativeResize="0"/>
+          <p:nvPr/>
+        </p:nvPicPr>
+        <p:blipFill rotWithShape="1">
+          <a:blip r:embed="rId3">
+            <a:alphaModFix/>
+          </a:blip>
+          <a:srcRect t="0" b="0" r="0" l="0"/>
+          <a:stretch/>
+        </p:blipFill>
+        <p:spPr>
+          <a:xfrm>
+            <a:off y="1759711" x="1802825"/>
+            <a:ext cy="2606700" cx="5213099"/>
+          </a:xfrm>
+          <a:prstGeom prst="rect">
+            <a:avLst/>
+          </a:prstGeom>
+          <a:noFill/>
+          <a:ln>
+            <a:noFill/>
+          </a:ln>
+        </p:spPr>
+      </p:pic>
     </p:spTree>
   </p:cSld>
   <p:clrMapOvr>
@@ -26893,7 +27288,7 @@
   <p:cSld>
     <p:spTree>
       <p:nvGrpSpPr>
-        <p:cNvPr id="540" name="Shape 540"/>
+        <p:cNvPr id="541" name="Shape 541"/>
         <p:cNvGrpSpPr/>
         <p:nvPr/>
       </p:nvGrpSpPr>
@@ -26907,7 +27302,7 @@
       </p:grpSpPr>
       <p:sp>
         <p:nvSpPr>
-          <p:cNvPr id="541" name="Shape 541"/>
+          <p:cNvPr id="542" name="Shape 542"/>
           <p:cNvSpPr txBox="1"/>
           <p:nvPr>
             <p:ph type="title"/>
@@ -26915,8 +27310,8 @@
         </p:nvSpPr>
         <p:spPr>
           <a:xfrm>
-            <a:off y="205978" x="457200"/>
-            <a:ext cy="857400" cx="8229600"/>
+            <a:off y="205975" x="338275"/>
+            <a:ext cy="857400" cx="8640599"/>
           </a:xfrm>
           <a:prstGeom prst="rect">
             <a:avLst/>
@@ -26936,14 +27331,14 @@
             </a:pPr>
             <a:r>
               <a:rPr lang="en"/>
-              <a:t>Input </a:t>
-            </a:r>
-          </a:p>
-        </p:txBody>
-      </p:sp>
-      <p:sp>
-        <p:nvSpPr>
-          <p:cNvPr id="542" name="Shape 542"/>
+              <a:t>High Level View of MDN Simulator</a:t>
+            </a:r>
+          </a:p>
+        </p:txBody>
+      </p:sp>
+      <p:sp>
+        <p:nvSpPr>
+          <p:cNvPr id="543" name="Shape 543"/>
           <p:cNvSpPr txBox="1"/>
           <p:nvPr>
             <p:ph idx="1" type="body"/>
@@ -26951,8 +27346,8 @@
         </p:nvSpPr>
         <p:spPr>
           <a:xfrm>
-            <a:off y="1200150" x="457200"/>
-            <a:ext cy="3725699" cx="8229600"/>
+            <a:off y="1200150" x="284925"/>
+            <a:ext cy="3725699" cx="4111499"/>
           </a:xfrm>
           <a:prstGeom prst="rect">
             <a:avLst/>
@@ -26964,7 +27359,7 @@
           </a:bodyPr>
           <a:lstStyle/>
           <a:p>
-            <a:pPr rtl="0" lvl="0" indent="-381000" marL="457200">
+            <a:pPr rtl="0" lvl="0" indent="-342900" marL="457200">
               <a:spcBef>
                 <a:spcPts val="0"/>
               </a:spcBef>
@@ -26976,19 +27371,12 @@
               <a:buChar char="●"/>
             </a:pPr>
             <a:r>
-              <a:rPr b="1" sz="2400" lang="en"/>
-              <a:t>Work Specification</a:t>
-            </a:r>
-            <a:r>
-              <a:rPr sz="2400" lang="en"/>
-              <a:t>: The input file given by the user that has a list of streams and stream parameters</a:t>
-            </a:r>
-            <a:br>
-              <a:rPr sz="2400" lang="en"/>
-            </a:br>
-          </a:p>
-          <a:p>
-            <a:pPr rtl="0" lvl="0" indent="-381000" marL="457200">
+              <a:rPr sz="1800" lang="en"/>
+              <a:t>Master</a:t>
+            </a:r>
+          </a:p>
+          <a:p>
+            <a:pPr rtl="0" lvl="1" indent="-342900" marL="914400">
               <a:spcBef>
                 <a:spcPts val="0"/>
               </a:spcBef>
@@ -26997,22 +27385,49 @@
               </a:buClr>
               <a:buSzPct val="100000"/>
               <a:buFont typeface="Arial"/>
+              <a:buChar char="○"/>
+            </a:pPr>
+            <a:r>
+              <a:rPr sz="1800" lang="en"/>
+              <a:t>Control the system</a:t>
+            </a:r>
+          </a:p>
+          <a:p>
+            <a:pPr rtl="0" lvl="1" indent="-342900" marL="914400">
+              <a:spcBef>
+                <a:spcPts val="0"/>
+              </a:spcBef>
+              <a:buClr>
+                <a:schemeClr val="dk1"/>
+              </a:buClr>
+              <a:buSzPct val="100000"/>
+              <a:buFont typeface="Arial"/>
+              <a:buChar char="○"/>
+            </a:pPr>
+            <a:r>
+              <a:rPr sz="1800" lang="en"/>
+              <a:t>Collect metrics</a:t>
+            </a:r>
+          </a:p>
+          <a:p>
+            <a:pPr rtl="0" lvl="0" indent="-342900" marL="457200">
+              <a:spcBef>
+                <a:spcPts val="0"/>
+              </a:spcBef>
+              <a:buClr>
+                <a:schemeClr val="dk1"/>
+              </a:buClr>
+              <a:buSzPct val="100000"/>
+              <a:buFont typeface="Arial"/>
               <a:buChar char="●"/>
             </a:pPr>
             <a:r>
-              <a:rPr b="1" sz="2400" lang="en"/>
-              <a:t>Stream</a:t>
-            </a:r>
-            <a:r>
-              <a:rPr sz="2400" lang="en"/>
-              <a:t>: A unique media entity like a movie or audio clip that has a defined size and bitrate. A stream has a list of flows that have requested this stream</a:t>
-            </a:r>
-            <a:br>
-              <a:rPr sz="2400" lang="en"/>
-            </a:br>
-          </a:p>
-          <a:p>
-            <a:pPr rtl="0" lvl="0" indent="-381000" marL="457200">
+              <a:rPr sz="1800" lang="en"/>
+              <a:t>Web Client</a:t>
+            </a:r>
+          </a:p>
+          <a:p>
+            <a:pPr rtl="0" lvl="1" indent="-342900" marL="914400">
               <a:spcBef>
                 <a:spcPts val="0"/>
               </a:spcBef>
@@ -27021,19 +27436,157 @@
               </a:buClr>
               <a:buSzPct val="100000"/>
               <a:buFont typeface="Arial"/>
+              <a:buChar char="○"/>
+            </a:pPr>
+            <a:r>
+              <a:rPr sz="1800" lang="en"/>
+              <a:t>Visualize nodes</a:t>
+            </a:r>
+          </a:p>
+          <a:p>
+            <a:pPr rtl="0" lvl="1" indent="-342900" marL="914400">
+              <a:spcBef>
+                <a:spcPts val="0"/>
+              </a:spcBef>
+              <a:buClr>
+                <a:schemeClr val="dk1"/>
+              </a:buClr>
+              <a:buSzPct val="100000"/>
+              <a:buFont typeface="Arial"/>
+              <a:buChar char="○"/>
+            </a:pPr>
+            <a:r>
+              <a:rPr sz="1800" lang="en"/>
+              <a:t>Present metrics to user</a:t>
+            </a:r>
+          </a:p>
+          <a:p>
+            <a:pPr rtl="0" lvl="1" indent="-342900" marL="914400">
+              <a:spcBef>
+                <a:spcPts val="0"/>
+              </a:spcBef>
+              <a:buClr>
+                <a:schemeClr val="dk1"/>
+              </a:buClr>
+              <a:buSzPct val="100000"/>
+              <a:buFont typeface="Arial"/>
+              <a:buChar char="○"/>
+            </a:pPr>
+            <a:r>
+              <a:rPr sz="1800" lang="en"/>
+              <a:t>Input - Control simulation</a:t>
+            </a:r>
+          </a:p>
+          <a:p>
+            <a:pPr rtl="0" lvl="0" indent="-342900" marL="457200">
+              <a:spcBef>
+                <a:spcPts val="0"/>
+              </a:spcBef>
+              <a:buClr>
+                <a:schemeClr val="dk1"/>
+              </a:buClr>
+              <a:buSzPct val="100000"/>
+              <a:buFont typeface="Arial"/>
               <a:buChar char="●"/>
             </a:pPr>
             <a:r>
-              <a:rPr b="1" sz="2400" lang="en"/>
-              <a:t>Flow</a:t>
-            </a:r>
-            <a:r>
-              <a:rPr sz="2400" lang="en"/>
-              <a:t>: A unique path that a stream follows from the source to sink</a:t>
-            </a:r>
-          </a:p>
-        </p:txBody>
-      </p:sp>
+              <a:rPr sz="1800" lang="en"/>
+              <a:t>Node Container</a:t>
+            </a:r>
+          </a:p>
+          <a:p>
+            <a:pPr rtl="0" lvl="1" indent="-342900" marL="914400">
+              <a:spcBef>
+                <a:spcPts val="0"/>
+              </a:spcBef>
+              <a:buClr>
+                <a:schemeClr val="dk1"/>
+              </a:buClr>
+              <a:buSzPct val="100000"/>
+              <a:buFont typeface="Arial"/>
+              <a:buChar char="○"/>
+            </a:pPr>
+            <a:r>
+              <a:rPr sz="1800" lang="en"/>
+              <a:t>Host and manage the nodes</a:t>
+            </a:r>
+          </a:p>
+          <a:p>
+            <a:pPr rtl="0" lvl="0" indent="-342900" marL="457200">
+              <a:spcBef>
+                <a:spcPts val="0"/>
+              </a:spcBef>
+              <a:buClr>
+                <a:schemeClr val="dk1"/>
+              </a:buClr>
+              <a:buSzPct val="100000"/>
+              <a:buFont typeface="Arial"/>
+              <a:buChar char="●"/>
+            </a:pPr>
+            <a:r>
+              <a:rPr sz="1800" lang="en"/>
+              <a:t>Message Bus</a:t>
+            </a:r>
+          </a:p>
+          <a:p>
+            <a:pPr rtl="0" lvl="1" indent="-342900" marL="914400">
+              <a:spcBef>
+                <a:spcPts val="0"/>
+              </a:spcBef>
+              <a:buClr>
+                <a:schemeClr val="dk1"/>
+              </a:buClr>
+              <a:buSzPct val="100000"/>
+              <a:buFont typeface="Arial"/>
+              <a:buChar char="○"/>
+            </a:pPr>
+            <a:r>
+              <a:rPr sz="1800" lang="en"/>
+              <a:t>Communication link between all components</a:t>
+            </a:r>
+          </a:p>
+          <a:p>
+            <a:pPr rtl="0" lvl="0" indent="0" marL="457200">
+              <a:spcBef>
+                <a:spcPts val="0"/>
+              </a:spcBef>
+              <a:buNone/>
+            </a:pPr>
+            <a:r>
+              <a:t/>
+            </a:r>
+            <a:endParaRPr sz="1800"/>
+          </a:p>
+        </p:txBody>
+      </p:sp>
+      <p:pic>
+        <p:nvPicPr>
+          <p:cNvPr id="544" name="Shape 544"/>
+          <p:cNvPicPr preferRelativeResize="0"/>
+          <p:nvPr/>
+        </p:nvPicPr>
+        <p:blipFill>
+          <a:blip r:embed="rId3">
+            <a:alphaModFix/>
+          </a:blip>
+          <a:stretch>
+            <a:fillRect/>
+          </a:stretch>
+        </p:blipFill>
+        <p:spPr>
+          <a:xfrm>
+            <a:off y="1460737" x="4309974"/>
+            <a:ext cy="3204525" cx="4668900"/>
+          </a:xfrm>
+          <a:prstGeom prst="rect">
+            <a:avLst/>
+          </a:prstGeom>
+          <a:noFill/>
+          <a:ln>
+            <a:noFill/>
+          </a:ln>
+        </p:spPr>
+      </p:pic>
     </p:spTree>
   </p:cSld>
   <p:clrMapOvr>
@@ -27050,7 +27603,7 @@
   <p:cSld>
     <p:spTree>
       <p:nvGrpSpPr>
-        <p:cNvPr id="546" name="Shape 546"/>
+        <p:cNvPr id="548" name="Shape 548"/>
         <p:cNvGrpSpPr/>
         <p:nvPr/>
       </p:nvGrpSpPr>
@@ -27064,7 +27617,43 @@
       </p:grpSpPr>
       <p:sp>
         <p:nvSpPr>
-          <p:cNvPr id="547" name="Shape 547"/>
+          <p:cNvPr id="549" name="Shape 549"/>
+          <p:cNvSpPr txBox="1"/>
+          <p:nvPr>
+            <p:ph type="title"/>
+          </p:nvPr>
+        </p:nvSpPr>
+        <p:spPr>
+          <a:xfrm>
+            <a:off y="205978" x="457200"/>
+            <a:ext cy="857400" cx="8229600"/>
+          </a:xfrm>
+          <a:prstGeom prst="rect">
+            <a:avLst/>
+          </a:prstGeom>
+        </p:spPr>
+        <p:txBody>
+          <a:bodyPr bIns="91425" rIns="91425" lIns="91425" tIns="91425" anchor="b" anchorCtr="0">
+            <a:noAutofit/>
+          </a:bodyPr>
+          <a:lstStyle/>
+          <a:p>
+            <a:pPr rtl="0" lvl="0">
+              <a:spcBef>
+                <a:spcPts val="0"/>
+              </a:spcBef>
+              <a:buNone/>
+            </a:pPr>
+            <a:r>
+              <a:rPr lang="en"/>
+              <a:t>Components</a:t>
+            </a:r>
+          </a:p>
+        </p:txBody>
+      </p:sp>
+      <p:sp>
+        <p:nvSpPr>
+          <p:cNvPr id="550" name="Shape 550"/>
           <p:cNvSpPr txBox="1"/>
           <p:nvPr>
             <p:ph idx="1" type="body"/>
@@ -27072,7 +27661,7 @@
         </p:nvSpPr>
         <p:spPr>
           <a:xfrm>
-            <a:off y="1122825" x="457200"/>
+            <a:off y="1200150" x="457200"/>
             <a:ext cy="3725699" cx="8229600"/>
           </a:xfrm>
           <a:prstGeom prst="rect">
@@ -27086,9 +27675,6 @@
           <a:lstStyle/>
           <a:p>
             <a:pPr rtl="0" lvl="0" indent="-381000" marL="457200">
-              <a:lnSpc>
-                <a:spcPct val="115000"/>
-              </a:lnSpc>
               <a:spcBef>
                 <a:spcPts val="0"/>
               </a:spcBef>
@@ -27100,15 +27686,16 @@
               <a:buChar char="●"/>
             </a:pPr>
             <a:r>
+              <a:rPr b="1" sz="2400" lang="en"/>
+              <a:t>Master Node</a:t>
+            </a:r>
+            <a:r>
               <a:rPr sz="2400" lang="en"/>
-              <a:t>More than 90%of the world’s population will have access to mobile broadband by 2020</a:t>
+              <a:t>: The server that instantiates/deploys the nodes, collects and aggregates statistics and controls the overall simulation</a:t>
             </a:r>
           </a:p>
           <a:p>
             <a:pPr rtl="0" lvl="0" indent="-381000" marL="457200">
-              <a:lnSpc>
-                <a:spcPct val="115000"/>
-              </a:lnSpc>
               <a:spcBef>
                 <a:spcPts val="0"/>
               </a:spcBef>
@@ -27120,15 +27707,16 @@
               <a:buChar char="●"/>
             </a:pPr>
             <a:r>
+              <a:rPr b="1" sz="2400" lang="en"/>
+              <a:t>Web Client</a:t>
+            </a:r>
+            <a:r>
               <a:rPr sz="2400" lang="en"/>
-              <a:t>Global mobile data traffic is expected to grow over 10x by 2020 with video predicted to be 50% of all this traffic</a:t>
+              <a:t>: The web interface that lets us interact with the system and visualize the state of the system</a:t>
             </a:r>
           </a:p>
           <a:p>
             <a:pPr rtl="0" lvl="0" indent="-381000" marL="457200">
-              <a:lnSpc>
-                <a:spcPct val="115000"/>
-              </a:lnSpc>
               <a:spcBef>
                 <a:spcPts val="0"/>
               </a:spcBef>
@@ -27140,15 +27728,16 @@
               <a:buChar char="●"/>
             </a:pPr>
             <a:r>
+              <a:rPr b="1" sz="2400" lang="en"/>
+              <a:t>Message Bus</a:t>
+            </a:r>
+            <a:r>
               <a:rPr sz="2400" lang="en"/>
-              <a:t>In 2020, there are expected to be 15 billion video-enabled connected devices globally</a:t>
+              <a:t>: A decentralized messaging framework that lets us transfer control messages in a reliable manner separately from the data traffic</a:t>
             </a:r>
           </a:p>
           <a:p>
             <a:pPr rtl="0" lvl="0" indent="-381000" marL="457200">
-              <a:lnSpc>
-                <a:spcPct val="115000"/>
-              </a:lnSpc>
               <a:spcBef>
                 <a:spcPts val="0"/>
               </a:spcBef>
@@ -27160,60 +27749,25 @@
               <a:buChar char="●"/>
             </a:pPr>
             <a:r>
+              <a:rPr b="1" sz="2400" lang="en"/>
+              <a:t>Node Containers</a:t>
+            </a:r>
+            <a:r>
               <a:rPr sz="2400" lang="en"/>
-              <a:t>And, in advanced markets, 50% of content watched is on-demand</a:t>
-            </a:r>
-          </a:p>
-          <a:p>
-            <a:pPr rtl="0" lvl="0">
-              <a:lnSpc>
-                <a:spcPct val="115000"/>
-              </a:lnSpc>
-              <a:spcBef>
-                <a:spcPts val="0"/>
-              </a:spcBef>
-              <a:buNone/>
-            </a:pPr>
-            <a:r>
-              <a:rPr sz="1200" lang="en"/>
-              <a:t>[Source: http://www.ericsson.com/televisionary/blog/ericsson-media-vision-2020-game-changer-two-ip-imperative/]</a:t>
-            </a:r>
-          </a:p>
-        </p:txBody>
-      </p:sp>
-      <p:sp>
-        <p:nvSpPr>
-          <p:cNvPr id="548" name="Shape 548"/>
-          <p:cNvSpPr txBox="1"/>
-          <p:nvPr>
-            <p:ph type="title"/>
-          </p:nvPr>
-        </p:nvSpPr>
-        <p:spPr>
-          <a:xfrm>
-            <a:off y="205978" x="457200"/>
-            <a:ext cy="857400" cx="8229600"/>
-          </a:xfrm>
-          <a:prstGeom prst="rect">
-            <a:avLst/>
-          </a:prstGeom>
-        </p:spPr>
-        <p:txBody>
-          <a:bodyPr bIns="91425" rIns="91425" lIns="91425" tIns="91425" anchor="b" anchorCtr="0">
-            <a:noAutofit/>
-          </a:bodyPr>
-          <a:lstStyle/>
-          <a:p>
-            <a:pPr rtl="0" lvl="0">
-              <a:spcBef>
-                <a:spcPts val="0"/>
-              </a:spcBef>
-              <a:buNone/>
-            </a:pPr>
-            <a:r>
-              <a:rPr lang="en"/>
-              <a:t>The IP Imperative</a:t>
-            </a:r>
+              <a:t>: A remote process that hosts various node types of the simulation </a:t>
+            </a:r>
+          </a:p>
+          <a:p>
+            <a:pPr rtl="0" lvl="0">
+              <a:spcBef>
+                <a:spcPts val="0"/>
+              </a:spcBef>
+              <a:buNone/>
+            </a:pPr>
+            <a:r>
+              <a:t/>
+            </a:r>
+            <a:endParaRPr/>
           </a:p>
         </p:txBody>
       </p:sp>
@@ -27233,7 +27787,7 @@
   <p:cSld>
     <p:spTree>
       <p:nvGrpSpPr>
-        <p:cNvPr id="552" name="Shape 552"/>
+        <p:cNvPr id="554" name="Shape 554"/>
         <p:cNvGrpSpPr/>
         <p:nvPr/>
       </p:nvGrpSpPr>
@@ -27247,7 +27801,7 @@
       </p:grpSpPr>
       <p:sp>
         <p:nvSpPr>
-          <p:cNvPr id="553" name="Shape 553"/>
+          <p:cNvPr id="555" name="Shape 555"/>
           <p:cNvSpPr txBox="1"/>
           <p:nvPr>
             <p:ph type="title"/>
@@ -27255,7 +27809,7 @@
         </p:nvSpPr>
         <p:spPr>
           <a:xfrm>
-            <a:off y="266553" x="457200"/>
+            <a:off y="205978" x="457200"/>
             <a:ext cy="857400" cx="8229600"/>
           </a:xfrm>
           <a:prstGeom prst="rect">
@@ -27276,14 +27830,14 @@
             </a:pPr>
             <a:r>
               <a:rPr lang="en"/>
-              <a:t>Work Specification - Multiple Streams</a:t>
-            </a:r>
-          </a:p>
-        </p:txBody>
-      </p:sp>
-      <p:sp>
-        <p:nvSpPr>
-          <p:cNvPr id="554" name="Shape 554"/>
+              <a:t>Input </a:t>
+            </a:r>
+          </a:p>
+        </p:txBody>
+      </p:sp>
+      <p:sp>
+        <p:nvSpPr>
+          <p:cNvPr id="556" name="Shape 556"/>
           <p:cNvSpPr txBox="1"/>
           <p:nvPr>
             <p:ph idx="1" type="body"/>
@@ -27291,8 +27845,8 @@
         </p:nvSpPr>
         <p:spPr>
           <a:xfrm>
-            <a:off y="1123950" x="457200"/>
-            <a:ext cy="3725699" cx="2701199"/>
+            <a:off y="1200150" x="457200"/>
+            <a:ext cy="3725699" cx="8229600"/>
           </a:xfrm>
           <a:prstGeom prst="rect">
             <a:avLst/>
@@ -27304,1070 +27858,76 @@
           </a:bodyPr>
           <a:lstStyle/>
           <a:p>
-            <a:pPr rtl="0" lvl="0">
+            <a:pPr rtl="0" lvl="0" indent="-381000" marL="457200">
               <a:spcBef>
                 <a:spcPts val="0"/>
               </a:spcBef>
               <a:buClr>
                 <a:schemeClr val="dk1"/>
               </a:buClr>
-              <a:buSzPct val="122222"/>
-              <a:buFont typeface="Arial"/>
-              <a:buNone/>
-            </a:pPr>
-            <a:r>
-              <a:rPr sz="900" lang="en"/>
-              <a:t>{</a:t>
-            </a:r>
-          </a:p>
-          <a:p>
-            <a:pPr rtl="0" lvl="0">
+              <a:buSzPct val="100000"/>
+              <a:buFont typeface="Arial"/>
+              <a:buChar char="●"/>
+            </a:pPr>
+            <a:r>
+              <a:rPr b="1" sz="2400" lang="en"/>
+              <a:t>Work Specification</a:t>
+            </a:r>
+            <a:r>
+              <a:rPr sz="2400" lang="en"/>
+              <a:t>: The input file given by the user that has a list of streams and stream parameters</a:t>
+            </a:r>
+            <a:br>
+              <a:rPr sz="2400" lang="en"/>
+            </a:br>
+          </a:p>
+          <a:p>
+            <a:pPr rtl="0" lvl="0" indent="-381000" marL="457200">
               <a:spcBef>
                 <a:spcPts val="0"/>
               </a:spcBef>
               <a:buClr>
                 <a:schemeClr val="dk1"/>
               </a:buClr>
-              <a:buSzPct val="122222"/>
-              <a:buFont typeface="Arial"/>
-              <a:buNone/>
-            </a:pPr>
-            <a:r>
-              <a:rPr sz="900" lang="en"/>
-              <a:t>"SimId":"sim1",</a:t>
-            </a:r>
-          </a:p>
-          <a:p>
-            <a:pPr rtl="0" lvl="0">
+              <a:buSzPct val="100000"/>
+              <a:buFont typeface="Arial"/>
+              <a:buChar char="●"/>
+            </a:pPr>
+            <a:r>
+              <a:rPr b="1" sz="2400" lang="en"/>
+              <a:t>Stream</a:t>
+            </a:r>
+            <a:r>
+              <a:rPr sz="2400" lang="en"/>
+              <a:t>: A unique media entity like a movie or audio clip that has a defined size and bitrate. A stream has a list of flows that have requested this stream</a:t>
+            </a:r>
+            <a:br>
+              <a:rPr sz="2400" lang="en"/>
+            </a:br>
+          </a:p>
+          <a:p>
+            <a:pPr rtl="0" lvl="0" indent="-381000" marL="457200">
               <a:spcBef>
                 <a:spcPts val="0"/>
               </a:spcBef>
               <a:buClr>
                 <a:schemeClr val="dk1"/>
               </a:buClr>
-              <a:buSzPct val="122222"/>
-              <a:buFont typeface="Arial"/>
-              <a:buNone/>
-            </a:pPr>
-            <a:r>
-              <a:rPr sz="900" lang="en"/>
-              <a:t>"StreamList":</a:t>
-            </a:r>
-          </a:p>
-          <a:p>
-            <a:pPr rtl="0" lvl="0">
-              <a:spcBef>
-                <a:spcPts val="0"/>
-              </a:spcBef>
-              <a:buClr>
-                <a:schemeClr val="dk1"/>
-              </a:buClr>
-              <a:buSzPct val="122222"/>
-              <a:buFont typeface="Arial"/>
-              <a:buNone/>
-            </a:pPr>
-            <a:r>
-              <a:rPr sz="900" lang="en"/>
-              <a:t>  [</a:t>
-            </a:r>
-          </a:p>
-          <a:p>
-            <a:pPr rtl="0" lvl="0" indent="0" marL="0">
-              <a:spcBef>
-                <a:spcPts val="0"/>
-              </a:spcBef>
-              <a:buNone/>
-            </a:pPr>
-            <a:r>
-              <a:rPr sz="900" lang="en"/>
-              <a:t>     {</a:t>
-            </a:r>
-          </a:p>
-          <a:p>
-            <a:pPr rtl="0" lvl="0">
-              <a:spcBef>
-                <a:spcPts val="0"/>
-              </a:spcBef>
-              <a:buNone/>
-            </a:pPr>
-            <a:r>
-              <a:rPr sz="900" lang="en"/>
-              <a:t>            </a:t>
-            </a:r>
-            <a:r>
-              <a:rPr b="1" sz="900" lang="en"/>
-              <a:t>"StreamId":"Stream1",</a:t>
-            </a:r>
-          </a:p>
-          <a:p>
-            <a:pPr rtl="0" lvl="0">
-              <a:spcBef>
-                <a:spcPts val="0"/>
-              </a:spcBef>
-              <a:buNone/>
-            </a:pPr>
-            <a:r>
-              <a:rPr sz="900" lang="en"/>
-              <a:t>            "DataSize":"20000000",</a:t>
-            </a:r>
-          </a:p>
-          <a:p>
-            <a:pPr rtl="0" lvl="0">
-              <a:spcBef>
-                <a:spcPts val="0"/>
-              </a:spcBef>
-              <a:buNone/>
-            </a:pPr>
-            <a:r>
-              <a:rPr sz="900" lang="en"/>
-              <a:t>            "KiloBitRate":"1000",</a:t>
-            </a:r>
-          </a:p>
-          <a:p>
-            <a:pPr rtl="0" lvl="0">
-              <a:spcBef>
-                <a:spcPts val="0"/>
-              </a:spcBef>
-              <a:buNone/>
-            </a:pPr>
-            <a:r>
-              <a:rPr sz="900" lang="en"/>
-              <a:t>            </a:t>
-            </a:r>
-            <a:r>
-              <a:rPr b="1" sz="900" lang="en"/>
-              <a:t>"FlowList":</a:t>
-            </a:r>
-          </a:p>
-          <a:p>
-            <a:pPr rtl="0" lvl="0">
-              <a:spcBef>
-                <a:spcPts val="0"/>
-              </a:spcBef>
-              <a:buNone/>
-            </a:pPr>
-            <a:r>
-              <a:rPr sz="900" lang="en"/>
-              <a:t>             [</a:t>
-            </a:r>
-          </a:p>
-          <a:p>
-            <a:pPr rtl="0" lvl="0">
-              <a:spcBef>
-                <a:spcPts val="0"/>
-              </a:spcBef>
-              <a:buNone/>
-            </a:pPr>
-            <a:r>
-              <a:rPr sz="900" lang="en"/>
-              <a:t>                 {</a:t>
-            </a:r>
-          </a:p>
-          <a:p>
-            <a:pPr rtl="0" lvl="0">
-              <a:spcBef>
-                <a:spcPts val="0"/>
-              </a:spcBef>
-              <a:buNone/>
-            </a:pPr>
-            <a:r>
-              <a:rPr sz="900" lang="en"/>
-              <a:t>                     </a:t>
-            </a:r>
-            <a:r>
-              <a:rPr b="1" sz="900" lang="en"/>
-              <a:t>"NodeList":</a:t>
-            </a:r>
-          </a:p>
-          <a:p>
-            <a:pPr rtl="0" lvl="0">
-              <a:spcBef>
-                <a:spcPts val="0"/>
-              </a:spcBef>
-              <a:buNone/>
-            </a:pPr>
-            <a:r>
-              <a:rPr sz="900" lang="en"/>
-              <a:t>                      [</a:t>
-            </a:r>
-          </a:p>
-          <a:p>
-            <a:pPr rtl="0" lvl="0">
-              <a:spcBef>
-                <a:spcPts val="0"/>
-              </a:spcBef>
-              <a:buNone/>
-            </a:pPr>
-            <a:r>
-              <a:rPr sz="900" lang="en"/>
-              <a:t>                          {</a:t>
-            </a:r>
-          </a:p>
-          <a:p>
-            <a:pPr rtl="0" lvl="0">
-              <a:spcBef>
-                <a:spcPts val="0"/>
-              </a:spcBef>
-              <a:buNone/>
-            </a:pPr>
-            <a:r>
-              <a:rPr sz="900" lang="en"/>
-              <a:t>                              "NodeType":"SinkNode",</a:t>
-            </a:r>
-          </a:p>
-          <a:p>
-            <a:pPr rtl="0" lvl="0">
-              <a:spcBef>
-                <a:spcPts val="0"/>
-              </a:spcBef>
-              <a:buNone/>
-            </a:pPr>
-            <a:r>
-              <a:rPr sz="900" lang="en"/>
-              <a:t>                              "NodeId":"tomato:sink4",</a:t>
-            </a:r>
-          </a:p>
-          <a:p>
-            <a:pPr rtl="0" lvl="0">
-              <a:spcBef>
-                <a:spcPts val="0"/>
-              </a:spcBef>
-              <a:buNone/>
-            </a:pPr>
-            <a:r>
-              <a:rPr sz="900" lang="en"/>
-              <a:t>                             "UpstreamId":"orange:source1"</a:t>
-            </a:r>
-          </a:p>
-          <a:p>
-            <a:pPr rtl="0" lvl="0">
-              <a:spcBef>
-                <a:spcPts val="0"/>
-              </a:spcBef>
-              <a:buNone/>
-            </a:pPr>
-            <a:r>
-              <a:rPr sz="900" lang="en"/>
-              <a:t>                          },</a:t>
-            </a:r>
-          </a:p>
-          <a:p>
-            <a:pPr rtl="0" lvl="0">
-              <a:spcBef>
-                <a:spcPts val="0"/>
-              </a:spcBef>
-              <a:buNone/>
-            </a:pPr>
-            <a:r>
-              <a:rPr sz="900" lang="en"/>
-              <a:t>                          {</a:t>
-            </a:r>
-          </a:p>
-          <a:p>
-            <a:pPr rtl="0" lvl="0">
-              <a:spcBef>
-                <a:spcPts val="0"/>
-              </a:spcBef>
-              <a:buNone/>
-            </a:pPr>
-            <a:r>
-              <a:rPr sz="900" lang="en"/>
-              <a:t>                              "NodeType":"SourceNode",</a:t>
-            </a:r>
-          </a:p>
-          <a:p>
-            <a:pPr rtl="0" lvl="0">
-              <a:spcBef>
-                <a:spcPts val="0"/>
-              </a:spcBef>
-              <a:buNone/>
-            </a:pPr>
-            <a:r>
-              <a:rPr sz="900" lang="en"/>
-              <a:t>                              "NodeId":"orange:source1",</a:t>
-            </a:r>
-          </a:p>
-          <a:p>
-            <a:pPr rtl="0" lvl="0">
-              <a:spcBef>
-                <a:spcPts val="0"/>
-              </a:spcBef>
-              <a:buNone/>
-            </a:pPr>
-            <a:r>
-              <a:rPr sz="900" lang="en"/>
-              <a:t>                              "UpstreamId":"NULL"</a:t>
-            </a:r>
-          </a:p>
-          <a:p>
-            <a:pPr rtl="0" lvl="0">
-              <a:spcBef>
-                <a:spcPts val="0"/>
-              </a:spcBef>
-              <a:buNone/>
-            </a:pPr>
-            <a:r>
-              <a:rPr sz="900" lang="en"/>
-              <a:t>                          }</a:t>
-            </a:r>
-          </a:p>
-          <a:p>
-            <a:pPr rtl="0" lvl="0">
-              <a:spcBef>
-                <a:spcPts val="0"/>
-              </a:spcBef>
-              <a:buNone/>
-            </a:pPr>
-            <a:r>
-              <a:rPr sz="900" lang="en"/>
-              <a:t>	         ]</a:t>
-            </a:r>
-          </a:p>
-          <a:p>
-            <a:pPr rtl="0" lvl="0" indent="457200">
-              <a:spcBef>
-                <a:spcPts val="0"/>
-              </a:spcBef>
-              <a:buNone/>
-            </a:pPr>
-            <a:r>
-              <a:rPr sz="900" lang="en"/>
-              <a:t>     }</a:t>
-            </a:r>
-          </a:p>
-          <a:p>
-            <a:pPr rtl="0" lvl="0" indent="457200">
-              <a:spcBef>
-                <a:spcPts val="0"/>
-              </a:spcBef>
-              <a:buNone/>
-            </a:pPr>
-            <a:r>
-              <a:rPr sz="900" lang="en"/>
-              <a:t>]</a:t>
-            </a:r>
-          </a:p>
-          <a:p>
-            <a:pPr rtl="0" lvl="0" indent="0" marL="0">
-              <a:spcBef>
-                <a:spcPts val="0"/>
-              </a:spcBef>
-              <a:buNone/>
-            </a:pPr>
-            <a:r>
-              <a:rPr sz="900" lang="en"/>
-              <a:t>         },</a:t>
-            </a:r>
-          </a:p>
-        </p:txBody>
-      </p:sp>
-      <p:sp>
-        <p:nvSpPr>
-          <p:cNvPr id="555" name="Shape 555"/>
-          <p:cNvSpPr txBox="1"/>
-          <p:nvPr/>
-        </p:nvSpPr>
-        <p:spPr>
-          <a:xfrm>
-            <a:off y="1215775" x="3131701"/>
-            <a:ext cy="3726300" cx="2936999"/>
-          </a:xfrm>
-          <a:prstGeom prst="rect">
-            <a:avLst/>
-          </a:prstGeom>
-          <a:noFill/>
-          <a:ln>
-            <a:noFill/>
-          </a:ln>
-        </p:spPr>
-        <p:txBody>
-          <a:bodyPr bIns="91425" rIns="91425" lIns="91425" tIns="91425" anchor="t" anchorCtr="0">
-            <a:noAutofit/>
-          </a:bodyPr>
-          <a:lstStyle/>
-          <a:p>
-            <a:pPr rtl="0" lvl="0">
-              <a:spcBef>
-                <a:spcPts val="0"/>
-              </a:spcBef>
-              <a:buClr>
-                <a:schemeClr val="dk1"/>
-              </a:buClr>
-              <a:buSzPct val="122222"/>
-              <a:buFont typeface="Arial"/>
-              <a:buNone/>
-            </a:pPr>
-            <a:r>
-              <a:rPr sz="900" lang="en">
-                <a:solidFill>
-                  <a:schemeClr val="dk1"/>
-                </a:solidFill>
-              </a:rPr>
-              <a:t>     {</a:t>
-            </a:r>
-          </a:p>
-          <a:p>
-            <a:pPr rtl="0" lvl="0">
-              <a:spcBef>
-                <a:spcPts val="0"/>
-              </a:spcBef>
-              <a:buClr>
-                <a:schemeClr val="dk1"/>
-              </a:buClr>
-              <a:buSzPct val="122222"/>
-              <a:buFont typeface="Arial"/>
-              <a:buNone/>
-            </a:pPr>
-            <a:r>
-              <a:rPr sz="900" lang="en">
-                <a:solidFill>
-                  <a:schemeClr val="dk1"/>
-                </a:solidFill>
-              </a:rPr>
-              <a:t>            </a:t>
-            </a:r>
-            <a:r>
-              <a:rPr b="1" sz="900" lang="en">
-                <a:solidFill>
-                  <a:schemeClr val="dk1"/>
-                </a:solidFill>
-              </a:rPr>
-              <a:t>"StreamId":"Stream2",</a:t>
-            </a:r>
-          </a:p>
-          <a:p>
-            <a:pPr rtl="0" lvl="0">
-              <a:spcBef>
-                <a:spcPts val="0"/>
-              </a:spcBef>
-              <a:buClr>
-                <a:schemeClr val="dk1"/>
-              </a:buClr>
-              <a:buSzPct val="122222"/>
-              <a:buFont typeface="Arial"/>
-              <a:buNone/>
-            </a:pPr>
-            <a:r>
-              <a:rPr sz="900" lang="en">
-                <a:solidFill>
-                  <a:schemeClr val="dk1"/>
-                </a:solidFill>
-              </a:rPr>
-              <a:t>            "DataSize":"20000",</a:t>
-            </a:r>
-          </a:p>
-          <a:p>
-            <a:pPr rtl="0" lvl="0">
-              <a:spcBef>
-                <a:spcPts val="0"/>
-              </a:spcBef>
-              <a:buClr>
-                <a:schemeClr val="dk1"/>
-              </a:buClr>
-              <a:buSzPct val="122222"/>
-              <a:buFont typeface="Arial"/>
-              <a:buNone/>
-            </a:pPr>
-            <a:r>
-              <a:rPr sz="900" lang="en">
-                <a:solidFill>
-                  <a:schemeClr val="dk1"/>
-                </a:solidFill>
-              </a:rPr>
-              <a:t>            "KiloBitRate":"50",</a:t>
-            </a:r>
-          </a:p>
-          <a:p>
-            <a:pPr rtl="0" lvl="0">
-              <a:spcBef>
-                <a:spcPts val="0"/>
-              </a:spcBef>
-              <a:buClr>
-                <a:schemeClr val="dk1"/>
-              </a:buClr>
-              <a:buSzPct val="122222"/>
-              <a:buFont typeface="Arial"/>
-              <a:buNone/>
-            </a:pPr>
-            <a:r>
-              <a:rPr sz="900" lang="en">
-                <a:solidFill>
-                  <a:schemeClr val="dk1"/>
-                </a:solidFill>
-              </a:rPr>
-              <a:t>            </a:t>
-            </a:r>
-            <a:r>
-              <a:rPr b="1" sz="900" lang="en">
-                <a:solidFill>
-                  <a:schemeClr val="dk1"/>
-                </a:solidFill>
-              </a:rPr>
-              <a:t>"FlowList":</a:t>
-            </a:r>
-          </a:p>
-          <a:p>
-            <a:pPr rtl="0" lvl="0">
-              <a:spcBef>
-                <a:spcPts val="0"/>
-              </a:spcBef>
-              <a:buClr>
-                <a:schemeClr val="dk1"/>
-              </a:buClr>
-              <a:buSzPct val="122222"/>
-              <a:buFont typeface="Arial"/>
-              <a:buNone/>
-            </a:pPr>
-            <a:r>
-              <a:rPr sz="900" lang="en">
-                <a:solidFill>
-                  <a:schemeClr val="dk1"/>
-                </a:solidFill>
-              </a:rPr>
-              <a:t>             [</a:t>
-            </a:r>
-          </a:p>
-          <a:p>
-            <a:pPr rtl="0" lvl="0">
-              <a:spcBef>
-                <a:spcPts val="0"/>
-              </a:spcBef>
-              <a:buClr>
-                <a:schemeClr val="dk1"/>
-              </a:buClr>
-              <a:buSzPct val="122222"/>
-              <a:buFont typeface="Arial"/>
-              <a:buNone/>
-            </a:pPr>
-            <a:r>
-              <a:rPr sz="900" lang="en">
-                <a:solidFill>
-                  <a:schemeClr val="dk1"/>
-                </a:solidFill>
-              </a:rPr>
-              <a:t>                 {</a:t>
-            </a:r>
-          </a:p>
-          <a:p>
-            <a:pPr rtl="0" lvl="0">
-              <a:spcBef>
-                <a:spcPts val="0"/>
-              </a:spcBef>
-              <a:buClr>
-                <a:schemeClr val="dk1"/>
-              </a:buClr>
-              <a:buSzPct val="122222"/>
-              <a:buFont typeface="Arial"/>
-              <a:buNone/>
-            </a:pPr>
-            <a:r>
-              <a:rPr sz="900" lang="en">
-                <a:solidFill>
-                  <a:schemeClr val="dk1"/>
-                </a:solidFill>
-              </a:rPr>
-              <a:t>                     </a:t>
-            </a:r>
-            <a:r>
-              <a:rPr b="1" sz="900" lang="en">
-                <a:solidFill>
-                  <a:schemeClr val="dk1"/>
-                </a:solidFill>
-              </a:rPr>
-              <a:t>"NodeList":</a:t>
-            </a:r>
-          </a:p>
-          <a:p>
-            <a:pPr rtl="0" lvl="0">
-              <a:spcBef>
-                <a:spcPts val="0"/>
-              </a:spcBef>
-              <a:buClr>
-                <a:schemeClr val="dk1"/>
-              </a:buClr>
-              <a:buSzPct val="122222"/>
-              <a:buFont typeface="Arial"/>
-              <a:buNone/>
-            </a:pPr>
-            <a:r>
-              <a:rPr sz="900" lang="en">
-                <a:solidFill>
-                  <a:schemeClr val="dk1"/>
-                </a:solidFill>
-              </a:rPr>
-              <a:t>                      [</a:t>
-            </a:r>
-          </a:p>
-          <a:p>
-            <a:pPr rtl="0" lvl="0">
-              <a:spcBef>
-                <a:spcPts val="0"/>
-              </a:spcBef>
-              <a:buClr>
-                <a:schemeClr val="dk1"/>
-              </a:buClr>
-              <a:buSzPct val="122222"/>
-              <a:buFont typeface="Arial"/>
-              <a:buNone/>
-            </a:pPr>
-            <a:r>
-              <a:rPr sz="900" lang="en">
-                <a:solidFill>
-                  <a:schemeClr val="dk1"/>
-                </a:solidFill>
-              </a:rPr>
-              <a:t>                          {</a:t>
-            </a:r>
-          </a:p>
-          <a:p>
-            <a:pPr rtl="0" lvl="0">
-              <a:spcBef>
-                <a:spcPts val="0"/>
-              </a:spcBef>
-              <a:buClr>
-                <a:schemeClr val="dk1"/>
-              </a:buClr>
-              <a:buSzPct val="122222"/>
-              <a:buFont typeface="Arial"/>
-              <a:buNone/>
-            </a:pPr>
-            <a:r>
-              <a:rPr sz="900" lang="en">
-                <a:solidFill>
-                  <a:schemeClr val="dk1"/>
-                </a:solidFill>
-              </a:rPr>
-              <a:t>                              "NodeType":"SinkNode",</a:t>
-            </a:r>
-          </a:p>
-          <a:p>
-            <a:pPr rtl="0" lvl="0">
-              <a:spcBef>
-                <a:spcPts val="0"/>
-              </a:spcBef>
-              <a:buClr>
-                <a:schemeClr val="dk1"/>
-              </a:buClr>
-              <a:buSzPct val="122222"/>
-              <a:buFont typeface="Arial"/>
-              <a:buNone/>
-            </a:pPr>
-            <a:r>
-              <a:rPr sz="900" lang="en">
-                <a:solidFill>
-                  <a:schemeClr val="dk1"/>
-                </a:solidFill>
-              </a:rPr>
-              <a:t>                              "NodeId":"tomato:sink5",</a:t>
-            </a:r>
-          </a:p>
-          <a:p>
-            <a:pPr rtl="0" lvl="0">
-              <a:spcBef>
-                <a:spcPts val="0"/>
-              </a:spcBef>
-              <a:buClr>
-                <a:schemeClr val="dk1"/>
-              </a:buClr>
-              <a:buSzPct val="122222"/>
-              <a:buFont typeface="Arial"/>
-              <a:buNone/>
-            </a:pPr>
-            <a:r>
-              <a:rPr sz="900" lang="en">
-                <a:solidFill>
-                  <a:schemeClr val="dk1"/>
-                </a:solidFill>
-              </a:rPr>
-              <a:t>                              "UpstreamId":"orange:source2"</a:t>
-            </a:r>
-          </a:p>
-          <a:p>
-            <a:pPr rtl="0" lvl="0">
-              <a:spcBef>
-                <a:spcPts val="0"/>
-              </a:spcBef>
-              <a:buClr>
-                <a:schemeClr val="dk1"/>
-              </a:buClr>
-              <a:buSzPct val="122222"/>
-              <a:buFont typeface="Arial"/>
-              <a:buNone/>
-            </a:pPr>
-            <a:r>
-              <a:rPr sz="900" lang="en">
-                <a:solidFill>
-                  <a:schemeClr val="dk1"/>
-                </a:solidFill>
-              </a:rPr>
-              <a:t>                          },</a:t>
-            </a:r>
-          </a:p>
-          <a:p>
-            <a:pPr rtl="0" lvl="0">
-              <a:spcBef>
-                <a:spcPts val="0"/>
-              </a:spcBef>
-              <a:buClr>
-                <a:schemeClr val="dk1"/>
-              </a:buClr>
-              <a:buSzPct val="122222"/>
-              <a:buFont typeface="Arial"/>
-              <a:buNone/>
-            </a:pPr>
-            <a:r>
-              <a:rPr sz="900" lang="en">
-                <a:solidFill>
-                  <a:schemeClr val="dk1"/>
-                </a:solidFill>
-              </a:rPr>
-              <a:t>                          {</a:t>
-            </a:r>
-          </a:p>
-          <a:p>
-            <a:pPr rtl="0" lvl="0">
-              <a:spcBef>
-                <a:spcPts val="0"/>
-              </a:spcBef>
-              <a:buClr>
-                <a:schemeClr val="dk1"/>
-              </a:buClr>
-              <a:buSzPct val="122222"/>
-              <a:buFont typeface="Arial"/>
-              <a:buNone/>
-            </a:pPr>
-            <a:r>
-              <a:rPr sz="900" lang="en">
-                <a:solidFill>
-                  <a:schemeClr val="dk1"/>
-                </a:solidFill>
-              </a:rPr>
-              <a:t>                              "NodeType":"SourceNode"</a:t>
-            </a:r>
-            <a:r>
-              <a:rPr b="1" sz="900" lang="en">
-                <a:solidFill>
-                  <a:schemeClr val="dk1"/>
-                </a:solidFill>
-              </a:rPr>
-              <a:t>,</a:t>
-            </a:r>
-          </a:p>
-          <a:p>
-            <a:pPr rtl="0" lvl="0">
-              <a:spcBef>
-                <a:spcPts val="0"/>
-              </a:spcBef>
-              <a:buClr>
-                <a:schemeClr val="dk1"/>
-              </a:buClr>
-              <a:buSzPct val="122222"/>
-              <a:buFont typeface="Arial"/>
-              <a:buNone/>
-            </a:pPr>
-            <a:r>
-              <a:rPr sz="900" lang="en">
-                <a:solidFill>
-                  <a:schemeClr val="dk1"/>
-                </a:solidFill>
-              </a:rPr>
-              <a:t>                              "NodeId":"orange:source2",</a:t>
-            </a:r>
-          </a:p>
-          <a:p>
-            <a:pPr rtl="0" lvl="0">
-              <a:spcBef>
-                <a:spcPts val="0"/>
-              </a:spcBef>
-              <a:buClr>
-                <a:schemeClr val="dk1"/>
-              </a:buClr>
-              <a:buSzPct val="122222"/>
-              <a:buFont typeface="Arial"/>
-              <a:buNone/>
-            </a:pPr>
-            <a:r>
-              <a:rPr sz="900" lang="en">
-                <a:solidFill>
-                  <a:schemeClr val="dk1"/>
-                </a:solidFill>
-              </a:rPr>
-              <a:t>                              "UpstreamId":"NULL”</a:t>
-            </a:r>
-          </a:p>
-          <a:p>
-            <a:pPr rtl="0" lvl="0">
-              <a:spcBef>
-                <a:spcPts val="0"/>
-              </a:spcBef>
-              <a:buClr>
-                <a:schemeClr val="dk1"/>
-              </a:buClr>
-              <a:buSzPct val="122222"/>
-              <a:buFont typeface="Arial"/>
-              <a:buNone/>
-            </a:pPr>
-            <a:r>
-              <a:rPr sz="900" lang="en">
-                <a:solidFill>
-                  <a:schemeClr val="dk1"/>
-                </a:solidFill>
-              </a:rPr>
-              <a:t>                          }</a:t>
-            </a:r>
-          </a:p>
-          <a:p>
-            <a:pPr rtl="0" lvl="0">
-              <a:spcBef>
-                <a:spcPts val="0"/>
-              </a:spcBef>
-              <a:buClr>
-                <a:schemeClr val="dk1"/>
-              </a:buClr>
-              <a:buSzPct val="122222"/>
-              <a:buFont typeface="Arial"/>
-              <a:buNone/>
-            </a:pPr>
-            <a:r>
-              <a:rPr sz="900" lang="en">
-                <a:solidFill>
-                  <a:schemeClr val="dk1"/>
-                </a:solidFill>
-              </a:rPr>
-              <a:t>	         ]</a:t>
-            </a:r>
-          </a:p>
-          <a:p>
-            <a:pPr rtl="0" lvl="0" indent="457200">
-              <a:spcBef>
-                <a:spcPts val="0"/>
-              </a:spcBef>
-              <a:buClr>
-                <a:schemeClr val="dk1"/>
-              </a:buClr>
-              <a:buSzPct val="122222"/>
-              <a:buFont typeface="Arial"/>
-              <a:buNone/>
-            </a:pPr>
-            <a:r>
-              <a:rPr sz="900" lang="en">
-                <a:solidFill>
-                  <a:schemeClr val="dk1"/>
-                </a:solidFill>
-              </a:rPr>
-              <a:t>     }</a:t>
-            </a:r>
-          </a:p>
-          <a:p>
-            <a:pPr rtl="0" lvl="0" indent="457200">
-              <a:spcBef>
-                <a:spcPts val="0"/>
-              </a:spcBef>
-              <a:buClr>
-                <a:schemeClr val="dk1"/>
-              </a:buClr>
-              <a:buSzPct val="122222"/>
-              <a:buFont typeface="Arial"/>
-              <a:buNone/>
-            </a:pPr>
-            <a:r>
-              <a:rPr sz="900" lang="en">
-                <a:solidFill>
-                  <a:schemeClr val="dk1"/>
-                </a:solidFill>
-              </a:rPr>
-              <a:t>]</a:t>
-            </a:r>
-          </a:p>
-          <a:p>
-            <a:pPr rtl="0" lvl="0">
-              <a:spcBef>
-                <a:spcPts val="0"/>
-              </a:spcBef>
-              <a:buNone/>
-            </a:pPr>
-            <a:r>
-              <a:rPr sz="900" lang="en">
-                <a:solidFill>
-                  <a:schemeClr val="dk1"/>
-                </a:solidFill>
-              </a:rPr>
-              <a:t>         }</a:t>
-            </a:r>
-          </a:p>
-          <a:p>
-            <a:pPr rtl="0" lvl="0">
-              <a:spcBef>
-                <a:spcPts val="0"/>
-              </a:spcBef>
-              <a:buNone/>
-            </a:pPr>
-            <a:r>
-              <a:rPr sz="900" lang="en">
-                <a:solidFill>
-                  <a:schemeClr val="dk1"/>
-                </a:solidFill>
-              </a:rPr>
-              <a:t> ]</a:t>
-            </a:r>
-          </a:p>
-          <a:p>
-            <a:pPr rtl="0" lvl="0">
-              <a:spcBef>
-                <a:spcPts val="0"/>
-              </a:spcBef>
-              <a:buClr>
-                <a:schemeClr val="dk1"/>
-              </a:buClr>
-              <a:buSzPct val="122222"/>
-              <a:buFont typeface="Arial"/>
-              <a:buNone/>
-            </a:pPr>
-            <a:r>
-              <a:rPr sz="900" lang="en">
-                <a:solidFill>
-                  <a:schemeClr val="dk1"/>
-                </a:solidFill>
-              </a:rPr>
-              <a:t>}</a:t>
-            </a:r>
-          </a:p>
-        </p:txBody>
-      </p:sp>
-      <p:cxnSp>
-        <p:nvCxnSpPr>
-          <p:cNvPr id="556" name="Shape 556"/>
-          <p:cNvCxnSpPr/>
-          <p:nvPr/>
-        </p:nvCxnSpPr>
-        <p:spPr>
-          <a:xfrm rot="10800000">
-            <a:off y="1218399" x="3118800"/>
-            <a:ext cy="3735000" cx="0"/>
-          </a:xfrm>
-          <a:prstGeom prst="straightConnector1">
-            <a:avLst/>
-          </a:prstGeom>
-          <a:noFill/>
-          <a:ln w="19050" cap="flat">
-            <a:solidFill>
-              <a:schemeClr val="dk2"/>
-            </a:solidFill>
-            <a:prstDash val="solid"/>
-            <a:round/>
-            <a:headEnd w="lg" len="lg" type="none"/>
-            <a:tailEnd w="lg" len="lg" type="none"/>
-          </a:ln>
-        </p:spPr>
-      </p:cxnSp>
-      <p:cxnSp>
-        <p:nvCxnSpPr>
-          <p:cNvPr id="557" name="Shape 557"/>
-          <p:cNvCxnSpPr/>
-          <p:nvPr/>
-        </p:nvCxnSpPr>
-        <p:spPr>
-          <a:xfrm rot="10800000">
-            <a:off y="1195499" x="473875"/>
-            <a:ext cy="3735000" cx="0"/>
-          </a:xfrm>
-          <a:prstGeom prst="straightConnector1">
-            <a:avLst/>
-          </a:prstGeom>
-          <a:noFill/>
-          <a:ln w="19050" cap="flat">
-            <a:solidFill>
-              <a:schemeClr val="dk2"/>
-            </a:solidFill>
-            <a:prstDash val="solid"/>
-            <a:round/>
-            <a:headEnd w="lg" len="lg" type="none"/>
-            <a:tailEnd w="lg" len="lg" type="none"/>
-          </a:ln>
-        </p:spPr>
-      </p:cxnSp>
-      <p:cxnSp>
-        <p:nvCxnSpPr>
-          <p:cNvPr id="558" name="Shape 558"/>
-          <p:cNvCxnSpPr/>
-          <p:nvPr/>
-        </p:nvCxnSpPr>
-        <p:spPr>
-          <a:xfrm rot="10800000">
-            <a:off y="1195499" x="6068550"/>
-            <a:ext cy="3735000" cx="0"/>
-          </a:xfrm>
-          <a:prstGeom prst="straightConnector1">
-            <a:avLst/>
-          </a:prstGeom>
-          <a:noFill/>
-          <a:ln w="19050" cap="flat">
-            <a:solidFill>
-              <a:schemeClr val="dk2"/>
-            </a:solidFill>
-            <a:prstDash val="solid"/>
-            <a:round/>
-            <a:headEnd w="lg" len="lg" type="none"/>
-            <a:tailEnd w="lg" len="lg" type="none"/>
-          </a:ln>
-        </p:spPr>
-      </p:cxnSp>
-      <p:pic>
-        <p:nvPicPr>
-          <p:cNvPr id="559" name="Shape 559"/>
-          <p:cNvPicPr preferRelativeResize="0"/>
-          <p:nvPr/>
-        </p:nvPicPr>
-        <p:blipFill>
-          <a:blip r:embed="rId3">
-            <a:alphaModFix/>
-          </a:blip>
-          <a:stretch>
-            <a:fillRect/>
-          </a:stretch>
-        </p:blipFill>
-        <p:spPr>
-          <a:xfrm>
-            <a:off y="1170187" x="6304200"/>
-            <a:ext cy="3785624" cx="1175100"/>
-          </a:xfrm>
-          <a:prstGeom prst="rect">
-            <a:avLst/>
-          </a:prstGeom>
-          <a:noFill/>
-          <a:ln>
-            <a:noFill/>
-          </a:ln>
-        </p:spPr>
-      </p:pic>
-      <p:pic>
-        <p:nvPicPr>
-          <p:cNvPr id="560" name="Shape 560"/>
-          <p:cNvPicPr preferRelativeResize="0"/>
-          <p:nvPr/>
-        </p:nvPicPr>
-        <p:blipFill>
-          <a:blip r:embed="rId4">
-            <a:alphaModFix/>
-          </a:blip>
-          <a:stretch>
-            <a:fillRect/>
-          </a:stretch>
-        </p:blipFill>
-        <p:spPr>
-          <a:xfrm>
-            <a:off y="1155650" x="7534000"/>
-            <a:ext cy="3785624" cx="1469574"/>
-          </a:xfrm>
-          <a:prstGeom prst="rect">
-            <a:avLst/>
-          </a:prstGeom>
-          <a:noFill/>
-          <a:ln>
-            <a:noFill/>
-          </a:ln>
-        </p:spPr>
-      </p:pic>
+              <a:buSzPct val="100000"/>
+              <a:buFont typeface="Arial"/>
+              <a:buChar char="●"/>
+            </a:pPr>
+            <a:r>
+              <a:rPr b="1" sz="2400" lang="en"/>
+              <a:t>Flow</a:t>
+            </a:r>
+            <a:r>
+              <a:rPr sz="2400" lang="en"/>
+              <a:t>: A unique path that a stream follows from the source to sink</a:t>
+            </a:r>
+          </a:p>
+        </p:txBody>
+      </p:sp>
     </p:spTree>
   </p:cSld>
   <p:clrMapOvr>
@@ -28384,7 +27944,7 @@
   <p:cSld>
     <p:spTree>
       <p:nvGrpSpPr>
-        <p:cNvPr id="564" name="Shape 564"/>
+        <p:cNvPr id="560" name="Shape 560"/>
         <p:cNvGrpSpPr/>
         <p:nvPr/>
       </p:nvGrpSpPr>
@@ -28398,7 +27958,7 @@
       </p:grpSpPr>
       <p:sp>
         <p:nvSpPr>
-          <p:cNvPr id="565" name="Shape 565"/>
+          <p:cNvPr id="561" name="Shape 561"/>
           <p:cNvSpPr txBox="1"/>
           <p:nvPr>
             <p:ph idx="1" type="body"/>
@@ -28406,8 +27966,8 @@
         </p:nvSpPr>
         <p:spPr>
           <a:xfrm>
-            <a:off y="1063375" x="457200"/>
-            <a:ext cy="4020599" cx="8229600"/>
+            <a:off y="1122825" x="457200"/>
+            <a:ext cy="3725699" cx="8229600"/>
           </a:xfrm>
           <a:prstGeom prst="rect">
             <a:avLst/>
@@ -28419,6 +27979,1340 @@
           </a:bodyPr>
           <a:lstStyle/>
           <a:p>
+            <a:pPr rtl="0" lvl="0" indent="-381000" marL="457200">
+              <a:lnSpc>
+                <a:spcPct val="115000"/>
+              </a:lnSpc>
+              <a:spcBef>
+                <a:spcPts val="0"/>
+              </a:spcBef>
+              <a:buClr>
+                <a:schemeClr val="dk1"/>
+              </a:buClr>
+              <a:buSzPct val="100000"/>
+              <a:buFont typeface="Arial"/>
+              <a:buChar char="●"/>
+            </a:pPr>
+            <a:r>
+              <a:rPr sz="2400" lang="en"/>
+              <a:t>More than 90%of the world’s population will have access to mobile broadband by 2020</a:t>
+            </a:r>
+          </a:p>
+          <a:p>
+            <a:pPr rtl="0" lvl="0" indent="-381000" marL="457200">
+              <a:lnSpc>
+                <a:spcPct val="115000"/>
+              </a:lnSpc>
+              <a:spcBef>
+                <a:spcPts val="0"/>
+              </a:spcBef>
+              <a:buClr>
+                <a:schemeClr val="dk1"/>
+              </a:buClr>
+              <a:buSzPct val="100000"/>
+              <a:buFont typeface="Arial"/>
+              <a:buChar char="●"/>
+            </a:pPr>
+            <a:r>
+              <a:rPr sz="2400" lang="en"/>
+              <a:t>Global mobile data traffic is expected to grow over 10x by 2020 with video predicted to be 50% of all this traffic</a:t>
+            </a:r>
+          </a:p>
+          <a:p>
+            <a:pPr rtl="0" lvl="0" indent="-381000" marL="457200">
+              <a:lnSpc>
+                <a:spcPct val="115000"/>
+              </a:lnSpc>
+              <a:spcBef>
+                <a:spcPts val="0"/>
+              </a:spcBef>
+              <a:buClr>
+                <a:schemeClr val="dk1"/>
+              </a:buClr>
+              <a:buSzPct val="100000"/>
+              <a:buFont typeface="Arial"/>
+              <a:buChar char="●"/>
+            </a:pPr>
+            <a:r>
+              <a:rPr sz="2400" lang="en"/>
+              <a:t>In 2020, there are expected to be 15 billion video-enabled connected devices globally</a:t>
+            </a:r>
+          </a:p>
+          <a:p>
+            <a:pPr rtl="0" lvl="0" indent="-381000" marL="457200">
+              <a:lnSpc>
+                <a:spcPct val="115000"/>
+              </a:lnSpc>
+              <a:spcBef>
+                <a:spcPts val="0"/>
+              </a:spcBef>
+              <a:buClr>
+                <a:schemeClr val="dk1"/>
+              </a:buClr>
+              <a:buSzPct val="100000"/>
+              <a:buFont typeface="Arial"/>
+              <a:buChar char="●"/>
+            </a:pPr>
+            <a:r>
+              <a:rPr sz="2400" lang="en"/>
+              <a:t>And, in advanced markets, 50% of content watched is on-demand</a:t>
+            </a:r>
+          </a:p>
+          <a:p>
+            <a:pPr rtl="0" lvl="0">
+              <a:lnSpc>
+                <a:spcPct val="115000"/>
+              </a:lnSpc>
+              <a:spcBef>
+                <a:spcPts val="0"/>
+              </a:spcBef>
+              <a:buNone/>
+            </a:pPr>
+            <a:r>
+              <a:rPr sz="1200" lang="en"/>
+              <a:t>[Source: http://www.ericsson.com/televisionary/blog/ericsson-media-vision-2020-game-changer-two-ip-imperative/]</a:t>
+            </a:r>
+          </a:p>
+        </p:txBody>
+      </p:sp>
+      <p:sp>
+        <p:nvSpPr>
+          <p:cNvPr id="562" name="Shape 562"/>
+          <p:cNvSpPr txBox="1"/>
+          <p:nvPr>
+            <p:ph type="title"/>
+          </p:nvPr>
+        </p:nvSpPr>
+        <p:spPr>
+          <a:xfrm>
+            <a:off y="205978" x="457200"/>
+            <a:ext cy="857400" cx="8229600"/>
+          </a:xfrm>
+          <a:prstGeom prst="rect">
+            <a:avLst/>
+          </a:prstGeom>
+        </p:spPr>
+        <p:txBody>
+          <a:bodyPr bIns="91425" rIns="91425" lIns="91425" tIns="91425" anchor="b" anchorCtr="0">
+            <a:noAutofit/>
+          </a:bodyPr>
+          <a:lstStyle/>
+          <a:p>
+            <a:pPr rtl="0" lvl="0">
+              <a:spcBef>
+                <a:spcPts val="0"/>
+              </a:spcBef>
+              <a:buNone/>
+            </a:pPr>
+            <a:r>
+              <a:rPr lang="en"/>
+              <a:t>The IP Imperative</a:t>
+            </a:r>
+          </a:p>
+        </p:txBody>
+      </p:sp>
+    </p:spTree>
+  </p:cSld>
+  <p:clrMapOvr>
+    <a:masterClrMapping/>
+  </p:clrMapOvr>
+  <p:transition spd="slow">
+    <p:cut/>
+  </p:transition>
+</p:sld>
+</file>
+
+<file path=ppt/slides/slide47.xml><?xml version="1.0" encoding="utf-8"?>
+<p:sld xmlns:a="http://schemas.openxmlformats.org/drawingml/2006/main" xmlns:r="http://schemas.openxmlformats.org/officeDocument/2006/relationships" xmlns:mc="http://schemas.openxmlformats.org/markup-compatibility/2006" xmlns:mv="urn:schemas-microsoft-com:mac:vml" xmlns:p="http://schemas.openxmlformats.org/presentationml/2006/main" xmlns:c="http://schemas.openxmlformats.org/drawingml/2006/chart" xmlns:dgm="http://schemas.openxmlformats.org/drawingml/2006/diagram" xmlns:o="urn:schemas-microsoft-com:office:office" xmlns:v="urn:schemas-microsoft-com:vml" xmlns:pvml="urn:schemas-microsoft-com:office:powerpoint" xmlns:com="http://schemas.openxmlformats.org/drawingml/2006/compatibility" xmlns:p14="http://schemas.microsoft.com/office/powerpoint/2010/main">
+  <p:cSld>
+    <p:spTree>
+      <p:nvGrpSpPr>
+        <p:cNvPr id="566" name="Shape 566"/>
+        <p:cNvGrpSpPr/>
+        <p:nvPr/>
+      </p:nvGrpSpPr>
+      <p:grpSpPr>
+        <a:xfrm>
+          <a:off y="0" x="0"/>
+          <a:ext cy="0" cx="0"/>
+          <a:chOff y="0" x="0"/>
+          <a:chExt cy="0" cx="0"/>
+        </a:xfrm>
+      </p:grpSpPr>
+      <p:sp>
+        <p:nvSpPr>
+          <p:cNvPr id="567" name="Shape 567"/>
+          <p:cNvSpPr txBox="1"/>
+          <p:nvPr>
+            <p:ph type="title"/>
+          </p:nvPr>
+        </p:nvSpPr>
+        <p:spPr>
+          <a:xfrm>
+            <a:off y="266553" x="457200"/>
+            <a:ext cy="857400" cx="8229600"/>
+          </a:xfrm>
+          <a:prstGeom prst="rect">
+            <a:avLst/>
+          </a:prstGeom>
+        </p:spPr>
+        <p:txBody>
+          <a:bodyPr bIns="91425" rIns="91425" lIns="91425" tIns="91425" anchor="b" anchorCtr="0">
+            <a:noAutofit/>
+          </a:bodyPr>
+          <a:lstStyle/>
+          <a:p>
+            <a:pPr rtl="0" lvl="0">
+              <a:spcBef>
+                <a:spcPts val="0"/>
+              </a:spcBef>
+              <a:buNone/>
+            </a:pPr>
+            <a:r>
+              <a:rPr lang="en"/>
+              <a:t>Work Specification - Multiple Streams</a:t>
+            </a:r>
+          </a:p>
+        </p:txBody>
+      </p:sp>
+      <p:sp>
+        <p:nvSpPr>
+          <p:cNvPr id="568" name="Shape 568"/>
+          <p:cNvSpPr txBox="1"/>
+          <p:nvPr>
+            <p:ph idx="1" type="body"/>
+          </p:nvPr>
+        </p:nvSpPr>
+        <p:spPr>
+          <a:xfrm>
+            <a:off y="1123950" x="457200"/>
+            <a:ext cy="3725699" cx="2701199"/>
+          </a:xfrm>
+          <a:prstGeom prst="rect">
+            <a:avLst/>
+          </a:prstGeom>
+        </p:spPr>
+        <p:txBody>
+          <a:bodyPr bIns="91425" rIns="91425" lIns="91425" tIns="91425" anchor="t" anchorCtr="0">
+            <a:noAutofit/>
+          </a:bodyPr>
+          <a:lstStyle/>
+          <a:p>
+            <a:pPr rtl="0" lvl="0">
+              <a:spcBef>
+                <a:spcPts val="0"/>
+              </a:spcBef>
+              <a:buClr>
+                <a:schemeClr val="dk1"/>
+              </a:buClr>
+              <a:buSzPct val="122222"/>
+              <a:buFont typeface="Arial"/>
+              <a:buNone/>
+            </a:pPr>
+            <a:r>
+              <a:rPr sz="900" lang="en"/>
+              <a:t>{</a:t>
+            </a:r>
+          </a:p>
+          <a:p>
+            <a:pPr rtl="0" lvl="0">
+              <a:spcBef>
+                <a:spcPts val="0"/>
+              </a:spcBef>
+              <a:buClr>
+                <a:schemeClr val="dk1"/>
+              </a:buClr>
+              <a:buSzPct val="122222"/>
+              <a:buFont typeface="Arial"/>
+              <a:buNone/>
+            </a:pPr>
+            <a:r>
+              <a:rPr sz="900" lang="en"/>
+              <a:t>"SimId":"sim1",</a:t>
+            </a:r>
+          </a:p>
+          <a:p>
+            <a:pPr rtl="0" lvl="0">
+              <a:spcBef>
+                <a:spcPts val="0"/>
+              </a:spcBef>
+              <a:buClr>
+                <a:schemeClr val="dk1"/>
+              </a:buClr>
+              <a:buSzPct val="122222"/>
+              <a:buFont typeface="Arial"/>
+              <a:buNone/>
+            </a:pPr>
+            <a:r>
+              <a:rPr sz="900" lang="en"/>
+              <a:t>"StreamList":</a:t>
+            </a:r>
+          </a:p>
+          <a:p>
+            <a:pPr rtl="0" lvl="0">
+              <a:spcBef>
+                <a:spcPts val="0"/>
+              </a:spcBef>
+              <a:buClr>
+                <a:schemeClr val="dk1"/>
+              </a:buClr>
+              <a:buSzPct val="122222"/>
+              <a:buFont typeface="Arial"/>
+              <a:buNone/>
+            </a:pPr>
+            <a:r>
+              <a:rPr sz="900" lang="en"/>
+              <a:t>  [</a:t>
+            </a:r>
+          </a:p>
+          <a:p>
+            <a:pPr rtl="0" lvl="0" indent="0" marL="0">
+              <a:spcBef>
+                <a:spcPts val="0"/>
+              </a:spcBef>
+              <a:buNone/>
+            </a:pPr>
+            <a:r>
+              <a:rPr sz="900" lang="en"/>
+              <a:t>     {</a:t>
+            </a:r>
+          </a:p>
+          <a:p>
+            <a:pPr rtl="0" lvl="0">
+              <a:spcBef>
+                <a:spcPts val="0"/>
+              </a:spcBef>
+              <a:buNone/>
+            </a:pPr>
+            <a:r>
+              <a:rPr sz="900" lang="en"/>
+              <a:t>            </a:t>
+            </a:r>
+            <a:r>
+              <a:rPr b="1" sz="900" lang="en"/>
+              <a:t>"StreamId":"Stream1",</a:t>
+            </a:r>
+          </a:p>
+          <a:p>
+            <a:pPr rtl="0" lvl="0">
+              <a:spcBef>
+                <a:spcPts val="0"/>
+              </a:spcBef>
+              <a:buNone/>
+            </a:pPr>
+            <a:r>
+              <a:rPr sz="900" lang="en"/>
+              <a:t>            "DataSize":"20000000",</a:t>
+            </a:r>
+          </a:p>
+          <a:p>
+            <a:pPr rtl="0" lvl="0">
+              <a:spcBef>
+                <a:spcPts val="0"/>
+              </a:spcBef>
+              <a:buNone/>
+            </a:pPr>
+            <a:r>
+              <a:rPr sz="900" lang="en"/>
+              <a:t>            "KiloBitRate":"1000",</a:t>
+            </a:r>
+          </a:p>
+          <a:p>
+            <a:pPr rtl="0" lvl="0">
+              <a:spcBef>
+                <a:spcPts val="0"/>
+              </a:spcBef>
+              <a:buNone/>
+            </a:pPr>
+            <a:r>
+              <a:rPr sz="900" lang="en"/>
+              <a:t>            </a:t>
+            </a:r>
+            <a:r>
+              <a:rPr b="1" sz="900" lang="en"/>
+              <a:t>"FlowList":</a:t>
+            </a:r>
+          </a:p>
+          <a:p>
+            <a:pPr rtl="0" lvl="0">
+              <a:spcBef>
+                <a:spcPts val="0"/>
+              </a:spcBef>
+              <a:buNone/>
+            </a:pPr>
+            <a:r>
+              <a:rPr sz="900" lang="en"/>
+              <a:t>             [</a:t>
+            </a:r>
+          </a:p>
+          <a:p>
+            <a:pPr rtl="0" lvl="0">
+              <a:spcBef>
+                <a:spcPts val="0"/>
+              </a:spcBef>
+              <a:buNone/>
+            </a:pPr>
+            <a:r>
+              <a:rPr sz="900" lang="en"/>
+              <a:t>                 {</a:t>
+            </a:r>
+          </a:p>
+          <a:p>
+            <a:pPr rtl="0" lvl="0">
+              <a:spcBef>
+                <a:spcPts val="0"/>
+              </a:spcBef>
+              <a:buNone/>
+            </a:pPr>
+            <a:r>
+              <a:rPr sz="900" lang="en"/>
+              <a:t>                     </a:t>
+            </a:r>
+            <a:r>
+              <a:rPr b="1" sz="900" lang="en"/>
+              <a:t>"NodeList":</a:t>
+            </a:r>
+          </a:p>
+          <a:p>
+            <a:pPr rtl="0" lvl="0">
+              <a:spcBef>
+                <a:spcPts val="0"/>
+              </a:spcBef>
+              <a:buNone/>
+            </a:pPr>
+            <a:r>
+              <a:rPr sz="900" lang="en"/>
+              <a:t>                      [</a:t>
+            </a:r>
+          </a:p>
+          <a:p>
+            <a:pPr rtl="0" lvl="0">
+              <a:spcBef>
+                <a:spcPts val="0"/>
+              </a:spcBef>
+              <a:buNone/>
+            </a:pPr>
+            <a:r>
+              <a:rPr sz="900" lang="en"/>
+              <a:t>                          {</a:t>
+            </a:r>
+          </a:p>
+          <a:p>
+            <a:pPr rtl="0" lvl="0">
+              <a:spcBef>
+                <a:spcPts val="0"/>
+              </a:spcBef>
+              <a:buNone/>
+            </a:pPr>
+            <a:r>
+              <a:rPr sz="900" lang="en"/>
+              <a:t>                              "NodeType":"SinkNode",</a:t>
+            </a:r>
+          </a:p>
+          <a:p>
+            <a:pPr rtl="0" lvl="0">
+              <a:spcBef>
+                <a:spcPts val="0"/>
+              </a:spcBef>
+              <a:buNone/>
+            </a:pPr>
+            <a:r>
+              <a:rPr sz="900" lang="en"/>
+              <a:t>                              "NodeId":"tomato:sink4",</a:t>
+            </a:r>
+          </a:p>
+          <a:p>
+            <a:pPr rtl="0" lvl="0">
+              <a:spcBef>
+                <a:spcPts val="0"/>
+              </a:spcBef>
+              <a:buNone/>
+            </a:pPr>
+            <a:r>
+              <a:rPr sz="900" lang="en"/>
+              <a:t>                             "UpstreamId":"orange:source1"</a:t>
+            </a:r>
+          </a:p>
+          <a:p>
+            <a:pPr rtl="0" lvl="0">
+              <a:spcBef>
+                <a:spcPts val="0"/>
+              </a:spcBef>
+              <a:buNone/>
+            </a:pPr>
+            <a:r>
+              <a:rPr sz="900" lang="en"/>
+              <a:t>                          },</a:t>
+            </a:r>
+          </a:p>
+          <a:p>
+            <a:pPr rtl="0" lvl="0">
+              <a:spcBef>
+                <a:spcPts val="0"/>
+              </a:spcBef>
+              <a:buNone/>
+            </a:pPr>
+            <a:r>
+              <a:rPr sz="900" lang="en"/>
+              <a:t>                          {</a:t>
+            </a:r>
+          </a:p>
+          <a:p>
+            <a:pPr rtl="0" lvl="0">
+              <a:spcBef>
+                <a:spcPts val="0"/>
+              </a:spcBef>
+              <a:buNone/>
+            </a:pPr>
+            <a:r>
+              <a:rPr sz="900" lang="en"/>
+              <a:t>                              "NodeType":"SourceNode",</a:t>
+            </a:r>
+          </a:p>
+          <a:p>
+            <a:pPr rtl="0" lvl="0">
+              <a:spcBef>
+                <a:spcPts val="0"/>
+              </a:spcBef>
+              <a:buNone/>
+            </a:pPr>
+            <a:r>
+              <a:rPr sz="900" lang="en"/>
+              <a:t>                              "NodeId":"orange:source1",</a:t>
+            </a:r>
+          </a:p>
+          <a:p>
+            <a:pPr rtl="0" lvl="0">
+              <a:spcBef>
+                <a:spcPts val="0"/>
+              </a:spcBef>
+              <a:buNone/>
+            </a:pPr>
+            <a:r>
+              <a:rPr sz="900" lang="en"/>
+              <a:t>                              "UpstreamId":"NULL"</a:t>
+            </a:r>
+          </a:p>
+          <a:p>
+            <a:pPr rtl="0" lvl="0">
+              <a:spcBef>
+                <a:spcPts val="0"/>
+              </a:spcBef>
+              <a:buNone/>
+            </a:pPr>
+            <a:r>
+              <a:rPr sz="900" lang="en"/>
+              <a:t>                          }</a:t>
+            </a:r>
+          </a:p>
+          <a:p>
+            <a:pPr rtl="0" lvl="0">
+              <a:spcBef>
+                <a:spcPts val="0"/>
+              </a:spcBef>
+              <a:buNone/>
+            </a:pPr>
+            <a:r>
+              <a:rPr sz="900" lang="en"/>
+              <a:t>	         ]</a:t>
+            </a:r>
+          </a:p>
+          <a:p>
+            <a:pPr rtl="0" lvl="0" indent="457200">
+              <a:spcBef>
+                <a:spcPts val="0"/>
+              </a:spcBef>
+              <a:buNone/>
+            </a:pPr>
+            <a:r>
+              <a:rPr sz="900" lang="en"/>
+              <a:t>     }</a:t>
+            </a:r>
+          </a:p>
+          <a:p>
+            <a:pPr rtl="0" lvl="0" indent="457200">
+              <a:spcBef>
+                <a:spcPts val="0"/>
+              </a:spcBef>
+              <a:buNone/>
+            </a:pPr>
+            <a:r>
+              <a:rPr sz="900" lang="en"/>
+              <a:t>]</a:t>
+            </a:r>
+          </a:p>
+          <a:p>
+            <a:pPr rtl="0" lvl="0" indent="0" marL="0">
+              <a:spcBef>
+                <a:spcPts val="0"/>
+              </a:spcBef>
+              <a:buNone/>
+            </a:pPr>
+            <a:r>
+              <a:rPr sz="900" lang="en"/>
+              <a:t>         },</a:t>
+            </a:r>
+          </a:p>
+        </p:txBody>
+      </p:sp>
+      <p:sp>
+        <p:nvSpPr>
+          <p:cNvPr id="569" name="Shape 569"/>
+          <p:cNvSpPr txBox="1"/>
+          <p:nvPr/>
+        </p:nvSpPr>
+        <p:spPr>
+          <a:xfrm>
+            <a:off y="1215775" x="3131701"/>
+            <a:ext cy="3726300" cx="2936999"/>
+          </a:xfrm>
+          <a:prstGeom prst="rect">
+            <a:avLst/>
+          </a:prstGeom>
+          <a:noFill/>
+          <a:ln>
+            <a:noFill/>
+          </a:ln>
+        </p:spPr>
+        <p:txBody>
+          <a:bodyPr bIns="91425" rIns="91425" lIns="91425" tIns="91425" anchor="t" anchorCtr="0">
+            <a:noAutofit/>
+          </a:bodyPr>
+          <a:lstStyle/>
+          <a:p>
+            <a:pPr rtl="0" lvl="0">
+              <a:spcBef>
+                <a:spcPts val="0"/>
+              </a:spcBef>
+              <a:buClr>
+                <a:schemeClr val="dk1"/>
+              </a:buClr>
+              <a:buSzPct val="122222"/>
+              <a:buFont typeface="Arial"/>
+              <a:buNone/>
+            </a:pPr>
+            <a:r>
+              <a:rPr sz="900" lang="en">
+                <a:solidFill>
+                  <a:schemeClr val="dk1"/>
+                </a:solidFill>
+              </a:rPr>
+              <a:t>     {</a:t>
+            </a:r>
+          </a:p>
+          <a:p>
+            <a:pPr rtl="0" lvl="0">
+              <a:spcBef>
+                <a:spcPts val="0"/>
+              </a:spcBef>
+              <a:buClr>
+                <a:schemeClr val="dk1"/>
+              </a:buClr>
+              <a:buSzPct val="122222"/>
+              <a:buFont typeface="Arial"/>
+              <a:buNone/>
+            </a:pPr>
+            <a:r>
+              <a:rPr sz="900" lang="en">
+                <a:solidFill>
+                  <a:schemeClr val="dk1"/>
+                </a:solidFill>
+              </a:rPr>
+              <a:t>            </a:t>
+            </a:r>
+            <a:r>
+              <a:rPr b="1" sz="900" lang="en">
+                <a:solidFill>
+                  <a:schemeClr val="dk1"/>
+                </a:solidFill>
+              </a:rPr>
+              <a:t>"StreamId":"Stream2",</a:t>
+            </a:r>
+          </a:p>
+          <a:p>
+            <a:pPr rtl="0" lvl="0">
+              <a:spcBef>
+                <a:spcPts val="0"/>
+              </a:spcBef>
+              <a:buClr>
+                <a:schemeClr val="dk1"/>
+              </a:buClr>
+              <a:buSzPct val="122222"/>
+              <a:buFont typeface="Arial"/>
+              <a:buNone/>
+            </a:pPr>
+            <a:r>
+              <a:rPr sz="900" lang="en">
+                <a:solidFill>
+                  <a:schemeClr val="dk1"/>
+                </a:solidFill>
+              </a:rPr>
+              <a:t>            "DataSize":"20000",</a:t>
+            </a:r>
+          </a:p>
+          <a:p>
+            <a:pPr rtl="0" lvl="0">
+              <a:spcBef>
+                <a:spcPts val="0"/>
+              </a:spcBef>
+              <a:buClr>
+                <a:schemeClr val="dk1"/>
+              </a:buClr>
+              <a:buSzPct val="122222"/>
+              <a:buFont typeface="Arial"/>
+              <a:buNone/>
+            </a:pPr>
+            <a:r>
+              <a:rPr sz="900" lang="en">
+                <a:solidFill>
+                  <a:schemeClr val="dk1"/>
+                </a:solidFill>
+              </a:rPr>
+              <a:t>            "KiloBitRate":"50",</a:t>
+            </a:r>
+          </a:p>
+          <a:p>
+            <a:pPr rtl="0" lvl="0">
+              <a:spcBef>
+                <a:spcPts val="0"/>
+              </a:spcBef>
+              <a:buClr>
+                <a:schemeClr val="dk1"/>
+              </a:buClr>
+              <a:buSzPct val="122222"/>
+              <a:buFont typeface="Arial"/>
+              <a:buNone/>
+            </a:pPr>
+            <a:r>
+              <a:rPr sz="900" lang="en">
+                <a:solidFill>
+                  <a:schemeClr val="dk1"/>
+                </a:solidFill>
+              </a:rPr>
+              <a:t>            </a:t>
+            </a:r>
+            <a:r>
+              <a:rPr b="1" sz="900" lang="en">
+                <a:solidFill>
+                  <a:schemeClr val="dk1"/>
+                </a:solidFill>
+              </a:rPr>
+              <a:t>"FlowList":</a:t>
+            </a:r>
+          </a:p>
+          <a:p>
+            <a:pPr rtl="0" lvl="0">
+              <a:spcBef>
+                <a:spcPts val="0"/>
+              </a:spcBef>
+              <a:buClr>
+                <a:schemeClr val="dk1"/>
+              </a:buClr>
+              <a:buSzPct val="122222"/>
+              <a:buFont typeface="Arial"/>
+              <a:buNone/>
+            </a:pPr>
+            <a:r>
+              <a:rPr sz="900" lang="en">
+                <a:solidFill>
+                  <a:schemeClr val="dk1"/>
+                </a:solidFill>
+              </a:rPr>
+              <a:t>             [</a:t>
+            </a:r>
+          </a:p>
+          <a:p>
+            <a:pPr rtl="0" lvl="0">
+              <a:spcBef>
+                <a:spcPts val="0"/>
+              </a:spcBef>
+              <a:buClr>
+                <a:schemeClr val="dk1"/>
+              </a:buClr>
+              <a:buSzPct val="122222"/>
+              <a:buFont typeface="Arial"/>
+              <a:buNone/>
+            </a:pPr>
+            <a:r>
+              <a:rPr sz="900" lang="en">
+                <a:solidFill>
+                  <a:schemeClr val="dk1"/>
+                </a:solidFill>
+              </a:rPr>
+              <a:t>                 {</a:t>
+            </a:r>
+          </a:p>
+          <a:p>
+            <a:pPr rtl="0" lvl="0">
+              <a:spcBef>
+                <a:spcPts val="0"/>
+              </a:spcBef>
+              <a:buClr>
+                <a:schemeClr val="dk1"/>
+              </a:buClr>
+              <a:buSzPct val="122222"/>
+              <a:buFont typeface="Arial"/>
+              <a:buNone/>
+            </a:pPr>
+            <a:r>
+              <a:rPr sz="900" lang="en">
+                <a:solidFill>
+                  <a:schemeClr val="dk1"/>
+                </a:solidFill>
+              </a:rPr>
+              <a:t>                     </a:t>
+            </a:r>
+            <a:r>
+              <a:rPr b="1" sz="900" lang="en">
+                <a:solidFill>
+                  <a:schemeClr val="dk1"/>
+                </a:solidFill>
+              </a:rPr>
+              <a:t>"NodeList":</a:t>
+            </a:r>
+          </a:p>
+          <a:p>
+            <a:pPr rtl="0" lvl="0">
+              <a:spcBef>
+                <a:spcPts val="0"/>
+              </a:spcBef>
+              <a:buClr>
+                <a:schemeClr val="dk1"/>
+              </a:buClr>
+              <a:buSzPct val="122222"/>
+              <a:buFont typeface="Arial"/>
+              <a:buNone/>
+            </a:pPr>
+            <a:r>
+              <a:rPr sz="900" lang="en">
+                <a:solidFill>
+                  <a:schemeClr val="dk1"/>
+                </a:solidFill>
+              </a:rPr>
+              <a:t>                      [</a:t>
+            </a:r>
+          </a:p>
+          <a:p>
+            <a:pPr rtl="0" lvl="0">
+              <a:spcBef>
+                <a:spcPts val="0"/>
+              </a:spcBef>
+              <a:buClr>
+                <a:schemeClr val="dk1"/>
+              </a:buClr>
+              <a:buSzPct val="122222"/>
+              <a:buFont typeface="Arial"/>
+              <a:buNone/>
+            </a:pPr>
+            <a:r>
+              <a:rPr sz="900" lang="en">
+                <a:solidFill>
+                  <a:schemeClr val="dk1"/>
+                </a:solidFill>
+              </a:rPr>
+              <a:t>                          {</a:t>
+            </a:r>
+          </a:p>
+          <a:p>
+            <a:pPr rtl="0" lvl="0">
+              <a:spcBef>
+                <a:spcPts val="0"/>
+              </a:spcBef>
+              <a:buClr>
+                <a:schemeClr val="dk1"/>
+              </a:buClr>
+              <a:buSzPct val="122222"/>
+              <a:buFont typeface="Arial"/>
+              <a:buNone/>
+            </a:pPr>
+            <a:r>
+              <a:rPr sz="900" lang="en">
+                <a:solidFill>
+                  <a:schemeClr val="dk1"/>
+                </a:solidFill>
+              </a:rPr>
+              <a:t>                              "NodeType":"SinkNode",</a:t>
+            </a:r>
+          </a:p>
+          <a:p>
+            <a:pPr rtl="0" lvl="0">
+              <a:spcBef>
+                <a:spcPts val="0"/>
+              </a:spcBef>
+              <a:buClr>
+                <a:schemeClr val="dk1"/>
+              </a:buClr>
+              <a:buSzPct val="122222"/>
+              <a:buFont typeface="Arial"/>
+              <a:buNone/>
+            </a:pPr>
+            <a:r>
+              <a:rPr sz="900" lang="en">
+                <a:solidFill>
+                  <a:schemeClr val="dk1"/>
+                </a:solidFill>
+              </a:rPr>
+              <a:t>                              "NodeId":"tomato:sink5",</a:t>
+            </a:r>
+          </a:p>
+          <a:p>
+            <a:pPr rtl="0" lvl="0">
+              <a:spcBef>
+                <a:spcPts val="0"/>
+              </a:spcBef>
+              <a:buClr>
+                <a:schemeClr val="dk1"/>
+              </a:buClr>
+              <a:buSzPct val="122222"/>
+              <a:buFont typeface="Arial"/>
+              <a:buNone/>
+            </a:pPr>
+            <a:r>
+              <a:rPr sz="900" lang="en">
+                <a:solidFill>
+                  <a:schemeClr val="dk1"/>
+                </a:solidFill>
+              </a:rPr>
+              <a:t>                              "UpstreamId":"orange:source2"</a:t>
+            </a:r>
+          </a:p>
+          <a:p>
+            <a:pPr rtl="0" lvl="0">
+              <a:spcBef>
+                <a:spcPts val="0"/>
+              </a:spcBef>
+              <a:buClr>
+                <a:schemeClr val="dk1"/>
+              </a:buClr>
+              <a:buSzPct val="122222"/>
+              <a:buFont typeface="Arial"/>
+              <a:buNone/>
+            </a:pPr>
+            <a:r>
+              <a:rPr sz="900" lang="en">
+                <a:solidFill>
+                  <a:schemeClr val="dk1"/>
+                </a:solidFill>
+              </a:rPr>
+              <a:t>                          },</a:t>
+            </a:r>
+          </a:p>
+          <a:p>
+            <a:pPr rtl="0" lvl="0">
+              <a:spcBef>
+                <a:spcPts val="0"/>
+              </a:spcBef>
+              <a:buClr>
+                <a:schemeClr val="dk1"/>
+              </a:buClr>
+              <a:buSzPct val="122222"/>
+              <a:buFont typeface="Arial"/>
+              <a:buNone/>
+            </a:pPr>
+            <a:r>
+              <a:rPr sz="900" lang="en">
+                <a:solidFill>
+                  <a:schemeClr val="dk1"/>
+                </a:solidFill>
+              </a:rPr>
+              <a:t>                          {</a:t>
+            </a:r>
+          </a:p>
+          <a:p>
+            <a:pPr rtl="0" lvl="0">
+              <a:spcBef>
+                <a:spcPts val="0"/>
+              </a:spcBef>
+              <a:buClr>
+                <a:schemeClr val="dk1"/>
+              </a:buClr>
+              <a:buSzPct val="122222"/>
+              <a:buFont typeface="Arial"/>
+              <a:buNone/>
+            </a:pPr>
+            <a:r>
+              <a:rPr sz="900" lang="en">
+                <a:solidFill>
+                  <a:schemeClr val="dk1"/>
+                </a:solidFill>
+              </a:rPr>
+              <a:t>                              "NodeType":"SourceNode"</a:t>
+            </a:r>
+            <a:r>
+              <a:rPr b="1" sz="900" lang="en">
+                <a:solidFill>
+                  <a:schemeClr val="dk1"/>
+                </a:solidFill>
+              </a:rPr>
+              <a:t>,</a:t>
+            </a:r>
+          </a:p>
+          <a:p>
+            <a:pPr rtl="0" lvl="0">
+              <a:spcBef>
+                <a:spcPts val="0"/>
+              </a:spcBef>
+              <a:buClr>
+                <a:schemeClr val="dk1"/>
+              </a:buClr>
+              <a:buSzPct val="122222"/>
+              <a:buFont typeface="Arial"/>
+              <a:buNone/>
+            </a:pPr>
+            <a:r>
+              <a:rPr sz="900" lang="en">
+                <a:solidFill>
+                  <a:schemeClr val="dk1"/>
+                </a:solidFill>
+              </a:rPr>
+              <a:t>                              "NodeId":"orange:source2",</a:t>
+            </a:r>
+          </a:p>
+          <a:p>
+            <a:pPr rtl="0" lvl="0">
+              <a:spcBef>
+                <a:spcPts val="0"/>
+              </a:spcBef>
+              <a:buClr>
+                <a:schemeClr val="dk1"/>
+              </a:buClr>
+              <a:buSzPct val="122222"/>
+              <a:buFont typeface="Arial"/>
+              <a:buNone/>
+            </a:pPr>
+            <a:r>
+              <a:rPr sz="900" lang="en">
+                <a:solidFill>
+                  <a:schemeClr val="dk1"/>
+                </a:solidFill>
+              </a:rPr>
+              <a:t>                              "UpstreamId":"NULL”</a:t>
+            </a:r>
+          </a:p>
+          <a:p>
+            <a:pPr rtl="0" lvl="0">
+              <a:spcBef>
+                <a:spcPts val="0"/>
+              </a:spcBef>
+              <a:buClr>
+                <a:schemeClr val="dk1"/>
+              </a:buClr>
+              <a:buSzPct val="122222"/>
+              <a:buFont typeface="Arial"/>
+              <a:buNone/>
+            </a:pPr>
+            <a:r>
+              <a:rPr sz="900" lang="en">
+                <a:solidFill>
+                  <a:schemeClr val="dk1"/>
+                </a:solidFill>
+              </a:rPr>
+              <a:t>                          }</a:t>
+            </a:r>
+          </a:p>
+          <a:p>
+            <a:pPr rtl="0" lvl="0">
+              <a:spcBef>
+                <a:spcPts val="0"/>
+              </a:spcBef>
+              <a:buClr>
+                <a:schemeClr val="dk1"/>
+              </a:buClr>
+              <a:buSzPct val="122222"/>
+              <a:buFont typeface="Arial"/>
+              <a:buNone/>
+            </a:pPr>
+            <a:r>
+              <a:rPr sz="900" lang="en">
+                <a:solidFill>
+                  <a:schemeClr val="dk1"/>
+                </a:solidFill>
+              </a:rPr>
+              <a:t>	         ]</a:t>
+            </a:r>
+          </a:p>
+          <a:p>
+            <a:pPr rtl="0" lvl="0" indent="457200">
+              <a:spcBef>
+                <a:spcPts val="0"/>
+              </a:spcBef>
+              <a:buClr>
+                <a:schemeClr val="dk1"/>
+              </a:buClr>
+              <a:buSzPct val="122222"/>
+              <a:buFont typeface="Arial"/>
+              <a:buNone/>
+            </a:pPr>
+            <a:r>
+              <a:rPr sz="900" lang="en">
+                <a:solidFill>
+                  <a:schemeClr val="dk1"/>
+                </a:solidFill>
+              </a:rPr>
+              <a:t>     }</a:t>
+            </a:r>
+          </a:p>
+          <a:p>
+            <a:pPr rtl="0" lvl="0" indent="457200">
+              <a:spcBef>
+                <a:spcPts val="0"/>
+              </a:spcBef>
+              <a:buClr>
+                <a:schemeClr val="dk1"/>
+              </a:buClr>
+              <a:buSzPct val="122222"/>
+              <a:buFont typeface="Arial"/>
+              <a:buNone/>
+            </a:pPr>
+            <a:r>
+              <a:rPr sz="900" lang="en">
+                <a:solidFill>
+                  <a:schemeClr val="dk1"/>
+                </a:solidFill>
+              </a:rPr>
+              <a:t>]</a:t>
+            </a:r>
+          </a:p>
+          <a:p>
+            <a:pPr rtl="0" lvl="0">
+              <a:spcBef>
+                <a:spcPts val="0"/>
+              </a:spcBef>
+              <a:buNone/>
+            </a:pPr>
+            <a:r>
+              <a:rPr sz="900" lang="en">
+                <a:solidFill>
+                  <a:schemeClr val="dk1"/>
+                </a:solidFill>
+              </a:rPr>
+              <a:t>         }</a:t>
+            </a:r>
+          </a:p>
+          <a:p>
+            <a:pPr rtl="0" lvl="0">
+              <a:spcBef>
+                <a:spcPts val="0"/>
+              </a:spcBef>
+              <a:buNone/>
+            </a:pPr>
+            <a:r>
+              <a:rPr sz="900" lang="en">
+                <a:solidFill>
+                  <a:schemeClr val="dk1"/>
+                </a:solidFill>
+              </a:rPr>
+              <a:t> ]</a:t>
+            </a:r>
+          </a:p>
+          <a:p>
+            <a:pPr rtl="0" lvl="0">
+              <a:spcBef>
+                <a:spcPts val="0"/>
+              </a:spcBef>
+              <a:buClr>
+                <a:schemeClr val="dk1"/>
+              </a:buClr>
+              <a:buSzPct val="122222"/>
+              <a:buFont typeface="Arial"/>
+              <a:buNone/>
+            </a:pPr>
+            <a:r>
+              <a:rPr sz="900" lang="en">
+                <a:solidFill>
+                  <a:schemeClr val="dk1"/>
+                </a:solidFill>
+              </a:rPr>
+              <a:t>}</a:t>
+            </a:r>
+          </a:p>
+        </p:txBody>
+      </p:sp>
+      <p:cxnSp>
+        <p:nvCxnSpPr>
+          <p:cNvPr id="570" name="Shape 570"/>
+          <p:cNvCxnSpPr/>
+          <p:nvPr/>
+        </p:nvCxnSpPr>
+        <p:spPr>
+          <a:xfrm rot="10800000">
+            <a:off y="1218399" x="3118800"/>
+            <a:ext cy="3735000" cx="0"/>
+          </a:xfrm>
+          <a:prstGeom prst="straightConnector1">
+            <a:avLst/>
+          </a:prstGeom>
+          <a:noFill/>
+          <a:ln w="19050" cap="flat">
+            <a:solidFill>
+              <a:schemeClr val="dk2"/>
+            </a:solidFill>
+            <a:prstDash val="solid"/>
+            <a:round/>
+            <a:headEnd w="lg" len="lg" type="none"/>
+            <a:tailEnd w="lg" len="lg" type="none"/>
+          </a:ln>
+        </p:spPr>
+      </p:cxnSp>
+      <p:cxnSp>
+        <p:nvCxnSpPr>
+          <p:cNvPr id="571" name="Shape 571"/>
+          <p:cNvCxnSpPr/>
+          <p:nvPr/>
+        </p:nvCxnSpPr>
+        <p:spPr>
+          <a:xfrm rot="10800000">
+            <a:off y="1195499" x="473875"/>
+            <a:ext cy="3735000" cx="0"/>
+          </a:xfrm>
+          <a:prstGeom prst="straightConnector1">
+            <a:avLst/>
+          </a:prstGeom>
+          <a:noFill/>
+          <a:ln w="19050" cap="flat">
+            <a:solidFill>
+              <a:schemeClr val="dk2"/>
+            </a:solidFill>
+            <a:prstDash val="solid"/>
+            <a:round/>
+            <a:headEnd w="lg" len="lg" type="none"/>
+            <a:tailEnd w="lg" len="lg" type="none"/>
+          </a:ln>
+        </p:spPr>
+      </p:cxnSp>
+      <p:cxnSp>
+        <p:nvCxnSpPr>
+          <p:cNvPr id="572" name="Shape 572"/>
+          <p:cNvCxnSpPr/>
+          <p:nvPr/>
+        </p:nvCxnSpPr>
+        <p:spPr>
+          <a:xfrm rot="10800000">
+            <a:off y="1195499" x="6068550"/>
+            <a:ext cy="3735000" cx="0"/>
+          </a:xfrm>
+          <a:prstGeom prst="straightConnector1">
+            <a:avLst/>
+          </a:prstGeom>
+          <a:noFill/>
+          <a:ln w="19050" cap="flat">
+            <a:solidFill>
+              <a:schemeClr val="dk2"/>
+            </a:solidFill>
+            <a:prstDash val="solid"/>
+            <a:round/>
+            <a:headEnd w="lg" len="lg" type="none"/>
+            <a:tailEnd w="lg" len="lg" type="none"/>
+          </a:ln>
+        </p:spPr>
+      </p:cxnSp>
+      <p:pic>
+        <p:nvPicPr>
+          <p:cNvPr id="573" name="Shape 573"/>
+          <p:cNvPicPr preferRelativeResize="0"/>
+          <p:nvPr/>
+        </p:nvPicPr>
+        <p:blipFill>
+          <a:blip r:embed="rId3">
+            <a:alphaModFix/>
+          </a:blip>
+          <a:stretch>
+            <a:fillRect/>
+          </a:stretch>
+        </p:blipFill>
+        <p:spPr>
+          <a:xfrm>
+            <a:off y="1170187" x="6304200"/>
+            <a:ext cy="3785624" cx="1175100"/>
+          </a:xfrm>
+          <a:prstGeom prst="rect">
+            <a:avLst/>
+          </a:prstGeom>
+          <a:noFill/>
+          <a:ln>
+            <a:noFill/>
+          </a:ln>
+        </p:spPr>
+      </p:pic>
+      <p:pic>
+        <p:nvPicPr>
+          <p:cNvPr id="574" name="Shape 574"/>
+          <p:cNvPicPr preferRelativeResize="0"/>
+          <p:nvPr/>
+        </p:nvPicPr>
+        <p:blipFill>
+          <a:blip r:embed="rId4">
+            <a:alphaModFix/>
+          </a:blip>
+          <a:stretch>
+            <a:fillRect/>
+          </a:stretch>
+        </p:blipFill>
+        <p:spPr>
+          <a:xfrm>
+            <a:off y="1155650" x="7534000"/>
+            <a:ext cy="3785624" cx="1469574"/>
+          </a:xfrm>
+          <a:prstGeom prst="rect">
+            <a:avLst/>
+          </a:prstGeom>
+          <a:noFill/>
+          <a:ln>
+            <a:noFill/>
+          </a:ln>
+        </p:spPr>
+      </p:pic>
+    </p:spTree>
+  </p:cSld>
+  <p:clrMapOvr>
+    <a:masterClrMapping/>
+  </p:clrMapOvr>
+  <p:transition spd="slow">
+    <p:cut/>
+  </p:transition>
+</p:sld>
+</file>
+
+<file path=ppt/slides/slide48.xml><?xml version="1.0" encoding="utf-8"?>
+<p:sld xmlns:a="http://schemas.openxmlformats.org/drawingml/2006/main" xmlns:r="http://schemas.openxmlformats.org/officeDocument/2006/relationships" xmlns:mc="http://schemas.openxmlformats.org/markup-compatibility/2006" xmlns:mv="urn:schemas-microsoft-com:mac:vml" xmlns:p="http://schemas.openxmlformats.org/presentationml/2006/main" xmlns:c="http://schemas.openxmlformats.org/drawingml/2006/chart" xmlns:dgm="http://schemas.openxmlformats.org/drawingml/2006/diagram" xmlns:o="urn:schemas-microsoft-com:office:office" xmlns:v="urn:schemas-microsoft-com:vml" xmlns:pvml="urn:schemas-microsoft-com:office:powerpoint" xmlns:com="http://schemas.openxmlformats.org/drawingml/2006/compatibility" xmlns:p14="http://schemas.microsoft.com/office/powerpoint/2010/main">
+  <p:cSld>
+    <p:spTree>
+      <p:nvGrpSpPr>
+        <p:cNvPr id="578" name="Shape 578"/>
+        <p:cNvGrpSpPr/>
+        <p:nvPr/>
+      </p:nvGrpSpPr>
+      <p:grpSpPr>
+        <a:xfrm>
+          <a:off y="0" x="0"/>
+          <a:ext cy="0" cx="0"/>
+          <a:chOff y="0" x="0"/>
+          <a:chExt cy="0" cx="0"/>
+        </a:xfrm>
+      </p:grpSpPr>
+      <p:sp>
+        <p:nvSpPr>
+          <p:cNvPr id="579" name="Shape 579"/>
+          <p:cNvSpPr txBox="1"/>
+          <p:nvPr>
+            <p:ph idx="1" type="body"/>
+          </p:nvPr>
+        </p:nvSpPr>
+        <p:spPr>
+          <a:xfrm>
+            <a:off y="1063375" x="457200"/>
+            <a:ext cy="4020599" cx="8229600"/>
+          </a:xfrm>
+          <a:prstGeom prst="rect">
+            <a:avLst/>
+          </a:prstGeom>
+        </p:spPr>
+        <p:txBody>
+          <a:bodyPr bIns="91425" rIns="91425" lIns="91425" tIns="91425" anchor="t" anchorCtr="0">
+            <a:noAutofit/>
+          </a:bodyPr>
+          <a:lstStyle/>
+          <a:p>
             <a:pPr algn="l" rtl="0" lvl="0" marR="0" indent="-381000" marL="457200">
               <a:lnSpc>
                 <a:spcPct val="115000"/>
@@ -28506,7 +29400,7 @@
       </p:sp>
       <p:sp>
         <p:nvSpPr>
-          <p:cNvPr id="566" name="Shape 566"/>
+          <p:cNvPr id="580" name="Shape 580"/>
           <p:cNvSpPr txBox="1"/>
           <p:nvPr>
             <p:ph type="title"/>
